--- a/Proj2/Presentation.pptx
+++ b/Proj2/Presentation.pptx
@@ -7,8 +7,17 @@
   <p:sldIdLst>
     <p:sldId id="256" r:id="rId2"/>
     <p:sldId id="257" r:id="rId3"/>
-    <p:sldId id="258" r:id="rId4"/>
-    <p:sldId id="259" r:id="rId5"/>
+    <p:sldId id="259" r:id="rId4"/>
+    <p:sldId id="258" r:id="rId5"/>
+    <p:sldId id="262" r:id="rId6"/>
+    <p:sldId id="261" r:id="rId7"/>
+    <p:sldId id="263" r:id="rId8"/>
+    <p:sldId id="266" r:id="rId9"/>
+    <p:sldId id="267" r:id="rId10"/>
+    <p:sldId id="268" r:id="rId11"/>
+    <p:sldId id="269" r:id="rId12"/>
+    <p:sldId id="264" r:id="rId13"/>
+    <p:sldId id="265" r:id="rId14"/>
   </p:sldIdLst>
   <p:sldSz cx="12192000" cy="6858000"/>
   <p:notesSz cx="6858000" cy="9144000"/>
@@ -3392,9 +3401,17 @@
 </p:sld>
 </file>
 
-<file path=ppt/slides/slide2.xml><?xml version="1.0" encoding="utf-8"?>
+<file path=ppt/slides/slide10.xml><?xml version="1.0" encoding="utf-8"?>
 <p:sld xmlns:a="http://schemas.openxmlformats.org/drawingml/2006/main" xmlns:r="http://schemas.openxmlformats.org/officeDocument/2006/relationships" xmlns:p="http://schemas.openxmlformats.org/presentationml/2006/main">
   <p:cSld>
+    <p:bg>
+      <p:bgPr>
+        <a:solidFill>
+          <a:schemeClr val="bg1"/>
+        </a:solidFill>
+        <a:effectLst/>
+      </p:bgPr>
+    </p:bg>
     <p:spTree>
       <p:nvGrpSpPr>
         <p:cNvPr id="1" name=""/>
@@ -3411,6 +3428,72 @@
       </p:grpSpPr>
       <p:sp>
         <p:nvSpPr>
+          <p:cNvPr id="60" name="Rectangle 55">
+            <a:extLst>
+              <a:ext uri="{FF2B5EF4-FFF2-40B4-BE49-F238E27FC236}">
+                <a16:creationId xmlns:a16="http://schemas.microsoft.com/office/drawing/2014/main" id="{7CA0DAA6-33B8-4A25-810D-2F4D816FB40E}"/>
+              </a:ext>
+              <a:ext uri="{C183D7F6-B498-43B3-948B-1728B52AA6E4}">
+                <adec:decorative xmlns:adec="http://schemas.microsoft.com/office/drawing/2017/decorative" val="1"/>
+              </a:ext>
+            </a:extLst>
+          </p:cNvPr>
+          <p:cNvSpPr>
+            <a:spLocks noGrp="1" noRot="1" noChangeAspect="1" noMove="1" noResize="1" noEditPoints="1" noAdjustHandles="1" noChangeArrowheads="1" noChangeShapeType="1" noTextEdit="1"/>
+          </p:cNvSpPr>
+          <p:nvPr>
+            <p:extLst>
+              <p:ext uri="{386F3935-93C4-4BCD-93E2-E3B085C9AB24}">
+                <p16:designElem xmlns:p16="http://schemas.microsoft.com/office/powerpoint/2015/main" val="1"/>
+              </p:ext>
+            </p:extLst>
+          </p:nvPr>
+        </p:nvSpPr>
+        <p:spPr bwMode="white">
+          <a:xfrm>
+            <a:off x="0" y="0"/>
+            <a:ext cx="4972594" cy="6858000"/>
+          </a:xfrm>
+          <a:prstGeom prst="rect">
+            <a:avLst/>
+          </a:prstGeom>
+          <a:solidFill>
+            <a:schemeClr val="tx1">
+              <a:lumMod val="85000"/>
+              <a:lumOff val="15000"/>
+            </a:schemeClr>
+          </a:solidFill>
+          <a:ln>
+            <a:noFill/>
+          </a:ln>
+        </p:spPr>
+        <p:style>
+          <a:lnRef idx="2">
+            <a:schemeClr val="accent1">
+              <a:shade val="50000"/>
+            </a:schemeClr>
+          </a:lnRef>
+          <a:fillRef idx="1">
+            <a:schemeClr val="accent1"/>
+          </a:fillRef>
+          <a:effectRef idx="0">
+            <a:schemeClr val="accent1"/>
+          </a:effectRef>
+          <a:fontRef idx="minor">
+            <a:schemeClr val="lt1"/>
+          </a:fontRef>
+        </p:style>
+        <p:txBody>
+          <a:bodyPr rtlCol="0" anchor="ctr"/>
+          <a:lstStyle/>
+          <a:p>
+            <a:pPr algn="ctr"/>
+            <a:endParaRPr lang="en-US"/>
+          </a:p>
+        </p:txBody>
+      </p:sp>
+      <p:sp>
+        <p:nvSpPr>
           <p:cNvPr id="2" name="Title 1">
             <a:extLst>
               <a:ext uri="{FF2B5EF4-FFF2-40B4-BE49-F238E27FC236}">
@@ -3425,26 +3508,36 @@
             <p:ph type="title"/>
           </p:nvPr>
         </p:nvSpPr>
-        <p:spPr/>
-        <p:txBody>
-          <a:bodyPr/>
-          <a:lstStyle/>
-          <a:p>
-            <a:pPr algn="ctr"/>
-            <a:r>
-              <a:rPr lang="fr-FR" dirty="0"/>
-              <a:t>Intro</a:t>
-            </a:r>
-            <a:endParaRPr lang="en-US" dirty="0"/>
+        <p:spPr>
+          <a:xfrm>
+            <a:off x="651307" y="640081"/>
+            <a:ext cx="3377183" cy="3681976"/>
+          </a:xfrm>
+          <a:noFill/>
+        </p:spPr>
+        <p:txBody>
+          <a:bodyPr vert="horz" lIns="91440" tIns="45720" rIns="91440" bIns="45720" rtlCol="0" anchor="b">
+            <a:normAutofit/>
+          </a:bodyPr>
+          <a:lstStyle/>
+          <a:p>
+            <a:r>
+              <a:rPr lang="en-US" dirty="0">
+                <a:solidFill>
+                  <a:schemeClr val="bg1"/>
+                </a:solidFill>
+              </a:rPr>
+              <a:t>Excel e.g.</a:t>
+            </a:r>
           </a:p>
         </p:txBody>
       </p:sp>
       <p:pic>
         <p:nvPicPr>
-          <p:cNvPr id="4" name="Content Placeholder 3">
-            <a:extLst>
-              <a:ext uri="{FF2B5EF4-FFF2-40B4-BE49-F238E27FC236}">
-                <a16:creationId xmlns:a16="http://schemas.microsoft.com/office/drawing/2014/main" id="{0056CD83-C33F-48C0-B2B3-0E28EB299741}"/>
+          <p:cNvPr id="5" name="Content Placeholder 4">
+            <a:extLst>
+              <a:ext uri="{FF2B5EF4-FFF2-40B4-BE49-F238E27FC236}">
+                <a16:creationId xmlns:a16="http://schemas.microsoft.com/office/drawing/2014/main" id="{D67D46C9-3560-4A55-A579-F881B71708F0}"/>
               </a:ext>
             </a:extLst>
           </p:cNvPr>
@@ -3463,8 +3556,8 @@
         </p:blipFill>
         <p:spPr>
           <a:xfrm>
-            <a:off x="2573084" y="1432639"/>
-            <a:ext cx="7045831" cy="5200913"/>
+            <a:off x="5243585" y="1649070"/>
+            <a:ext cx="6572250" cy="4010025"/>
           </a:xfrm>
           <a:prstGeom prst="rect">
             <a:avLst/>
@@ -3474,7 +3567,7 @@
     </p:spTree>
     <p:extLst>
       <p:ext uri="{BB962C8B-B14F-4D97-AF65-F5344CB8AC3E}">
-        <p14:creationId xmlns:p14="http://schemas.microsoft.com/office/powerpoint/2010/main" val="3501113695"/>
+        <p14:creationId xmlns:p14="http://schemas.microsoft.com/office/powerpoint/2010/main" val="2110460115"/>
       </p:ext>
     </p:extLst>
   </p:cSld>
@@ -3484,9 +3577,17 @@
 </p:sld>
 </file>
 
-<file path=ppt/slides/slide3.xml><?xml version="1.0" encoding="utf-8"?>
+<file path=ppt/slides/slide11.xml><?xml version="1.0" encoding="utf-8"?>
 <p:sld xmlns:a="http://schemas.openxmlformats.org/drawingml/2006/main" xmlns:r="http://schemas.openxmlformats.org/officeDocument/2006/relationships" xmlns:p="http://schemas.openxmlformats.org/presentationml/2006/main">
   <p:cSld>
+    <p:bg>
+      <p:bgPr>
+        <a:solidFill>
+          <a:schemeClr val="bg1"/>
+        </a:solidFill>
+        <a:effectLst/>
+      </p:bgPr>
+    </p:bg>
     <p:spTree>
       <p:nvGrpSpPr>
         <p:cNvPr id="1" name=""/>
@@ -3503,6 +3604,72 @@
       </p:grpSpPr>
       <p:sp>
         <p:nvSpPr>
+          <p:cNvPr id="60" name="Rectangle 55">
+            <a:extLst>
+              <a:ext uri="{FF2B5EF4-FFF2-40B4-BE49-F238E27FC236}">
+                <a16:creationId xmlns:a16="http://schemas.microsoft.com/office/drawing/2014/main" id="{7CA0DAA6-33B8-4A25-810D-2F4D816FB40E}"/>
+              </a:ext>
+              <a:ext uri="{C183D7F6-B498-43B3-948B-1728B52AA6E4}">
+                <adec:decorative xmlns:adec="http://schemas.microsoft.com/office/drawing/2017/decorative" val="1"/>
+              </a:ext>
+            </a:extLst>
+          </p:cNvPr>
+          <p:cNvSpPr>
+            <a:spLocks noGrp="1" noRot="1" noChangeAspect="1" noMove="1" noResize="1" noEditPoints="1" noAdjustHandles="1" noChangeArrowheads="1" noChangeShapeType="1" noTextEdit="1"/>
+          </p:cNvSpPr>
+          <p:nvPr>
+            <p:extLst>
+              <p:ext uri="{386F3935-93C4-4BCD-93E2-E3B085C9AB24}">
+                <p16:designElem xmlns:p16="http://schemas.microsoft.com/office/powerpoint/2015/main" val="1"/>
+              </p:ext>
+            </p:extLst>
+          </p:nvPr>
+        </p:nvSpPr>
+        <p:spPr bwMode="white">
+          <a:xfrm>
+            <a:off x="0" y="0"/>
+            <a:ext cx="4972594" cy="6858000"/>
+          </a:xfrm>
+          <a:prstGeom prst="rect">
+            <a:avLst/>
+          </a:prstGeom>
+          <a:solidFill>
+            <a:schemeClr val="tx1">
+              <a:lumMod val="85000"/>
+              <a:lumOff val="15000"/>
+            </a:schemeClr>
+          </a:solidFill>
+          <a:ln>
+            <a:noFill/>
+          </a:ln>
+        </p:spPr>
+        <p:style>
+          <a:lnRef idx="2">
+            <a:schemeClr val="accent1">
+              <a:shade val="50000"/>
+            </a:schemeClr>
+          </a:lnRef>
+          <a:fillRef idx="1">
+            <a:schemeClr val="accent1"/>
+          </a:fillRef>
+          <a:effectRef idx="0">
+            <a:schemeClr val="accent1"/>
+          </a:effectRef>
+          <a:fontRef idx="minor">
+            <a:schemeClr val="lt1"/>
+          </a:fontRef>
+        </p:style>
+        <p:txBody>
+          <a:bodyPr rtlCol="0" anchor="ctr"/>
+          <a:lstStyle/>
+          <a:p>
+            <a:pPr algn="ctr"/>
+            <a:endParaRPr lang="en-US"/>
+          </a:p>
+        </p:txBody>
+      </p:sp>
+      <p:sp>
+        <p:nvSpPr>
           <p:cNvPr id="2" name="Title 1">
             <a:extLst>
               <a:ext uri="{FF2B5EF4-FFF2-40B4-BE49-F238E27FC236}">
@@ -3517,90 +3684,66 @@
             <p:ph type="title"/>
           </p:nvPr>
         </p:nvSpPr>
-        <p:spPr/>
-        <p:txBody>
-          <a:bodyPr/>
-          <a:lstStyle/>
-          <a:p>
-            <a:pPr algn="ctr"/>
-            <a:r>
-              <a:rPr lang="fr-FR" dirty="0"/>
-              <a:t>Intro</a:t>
-            </a:r>
-            <a:endParaRPr lang="en-US" dirty="0"/>
-          </a:p>
-        </p:txBody>
-      </p:sp>
-      <p:sp>
-        <p:nvSpPr>
-          <p:cNvPr id="5" name="Content Placeholder 4">
-            <a:extLst>
-              <a:ext uri="{FF2B5EF4-FFF2-40B4-BE49-F238E27FC236}">
-                <a16:creationId xmlns:a16="http://schemas.microsoft.com/office/drawing/2014/main" id="{43F84962-FABF-47F9-AC5F-80DFEC411D38}"/>
-              </a:ext>
-            </a:extLst>
-          </p:cNvPr>
-          <p:cNvSpPr>
-            <a:spLocks noGrp="1"/>
-          </p:cNvSpPr>
+        <p:spPr>
+          <a:xfrm>
+            <a:off x="651307" y="640081"/>
+            <a:ext cx="3377183" cy="3681976"/>
+          </a:xfrm>
+          <a:noFill/>
+        </p:spPr>
+        <p:txBody>
+          <a:bodyPr vert="horz" lIns="91440" tIns="45720" rIns="91440" bIns="45720" rtlCol="0" anchor="b">
+            <a:normAutofit/>
+          </a:bodyPr>
+          <a:lstStyle/>
+          <a:p>
+            <a:r>
+              <a:rPr lang="en-US" dirty="0">
+                <a:solidFill>
+                  <a:schemeClr val="bg1"/>
+                </a:solidFill>
+              </a:rPr>
+              <a:t>Excel e.g.</a:t>
+            </a:r>
+          </a:p>
+        </p:txBody>
+      </p:sp>
+      <p:pic>
+        <p:nvPicPr>
+          <p:cNvPr id="6" name="Content Placeholder 5">
+            <a:extLst>
+              <a:ext uri="{FF2B5EF4-FFF2-40B4-BE49-F238E27FC236}">
+                <a16:creationId xmlns:a16="http://schemas.microsoft.com/office/drawing/2014/main" id="{F1509786-E54E-4A96-80A9-526D0A327333}"/>
+              </a:ext>
+            </a:extLst>
+          </p:cNvPr>
+          <p:cNvPicPr>
+            <a:picLocks noGrp="1" noChangeAspect="1"/>
+          </p:cNvPicPr>
           <p:nvPr>
             <p:ph idx="1"/>
           </p:nvPr>
-        </p:nvSpPr>
-        <p:spPr/>
-        <p:txBody>
-          <a:bodyPr/>
-          <a:lstStyle/>
-          <a:p>
-            <a:r>
-              <a:rPr lang="fr-FR" dirty="0"/>
-              <a:t>E.g. </a:t>
-            </a:r>
-            <a:r>
-              <a:rPr lang="en-US" sz="2800" dirty="0">
-                <a:effectLst/>
-                <a:latin typeface="Calibri" panose="020F0502020204030204" pitchFamily="34" charset="0"/>
-                <a:ea typeface="Calibri" panose="020F0502020204030204" pitchFamily="34" charset="0"/>
-              </a:rPr>
-              <a:t>ARISTA-SW-AGILE2-TC1-B13_B14-2-20200927.cfg</a:t>
-            </a:r>
-          </a:p>
-          <a:p>
-            <a:endParaRPr lang="en-US" dirty="0">
-              <a:latin typeface="Calibri" panose="020F0502020204030204" pitchFamily="34" charset="0"/>
-            </a:endParaRPr>
-          </a:p>
-          <a:p>
-            <a:pPr lvl="1"/>
-            <a:r>
-              <a:rPr lang="en-US" dirty="0">
-                <a:latin typeface="Calibri" panose="020F0502020204030204" pitchFamily="34" charset="0"/>
-              </a:rPr>
-              <a:t>The network admin/engineer/manager must verify the date of the last backup performed.</a:t>
-            </a:r>
-          </a:p>
-          <a:p>
-            <a:pPr lvl="1"/>
-            <a:endParaRPr lang="en-US" dirty="0">
-              <a:latin typeface="Calibri" panose="020F0502020204030204" pitchFamily="34" charset="0"/>
-            </a:endParaRPr>
-          </a:p>
-          <a:p>
-            <a:pPr lvl="1"/>
-            <a:r>
-              <a:rPr lang="en-US" dirty="0">
-                <a:latin typeface="Calibri" panose="020F0502020204030204" pitchFamily="34" charset="0"/>
-              </a:rPr>
-              <a:t>If not well done he/she will now have to investigate why the backup has not been done regularly.</a:t>
-            </a:r>
-            <a:endParaRPr lang="en-US" dirty="0"/>
-          </a:p>
-        </p:txBody>
-      </p:sp>
+        </p:nvPicPr>
+        <p:blipFill>
+          <a:blip r:embed="rId2"/>
+          <a:stretch>
+            <a:fillRect/>
+          </a:stretch>
+        </p:blipFill>
+        <p:spPr>
+          <a:xfrm>
+            <a:off x="4972997" y="1734423"/>
+            <a:ext cx="7219003" cy="3389154"/>
+          </a:xfrm>
+          <a:prstGeom prst="rect">
+            <a:avLst/>
+          </a:prstGeom>
+        </p:spPr>
+      </p:pic>
     </p:spTree>
     <p:extLst>
       <p:ext uri="{BB962C8B-B14F-4D97-AF65-F5344CB8AC3E}">
-        <p14:creationId xmlns:p14="http://schemas.microsoft.com/office/powerpoint/2010/main" val="2036961045"/>
+        <p14:creationId xmlns:p14="http://schemas.microsoft.com/office/powerpoint/2010/main" val="3861243997"/>
       </p:ext>
     </p:extLst>
   </p:cSld>
@@ -3610,9 +3753,17 @@
 </p:sld>
 </file>
 
-<file path=ppt/slides/slide4.xml><?xml version="1.0" encoding="utf-8"?>
+<file path=ppt/slides/slide12.xml><?xml version="1.0" encoding="utf-8"?>
 <p:sld xmlns:a="http://schemas.openxmlformats.org/drawingml/2006/main" xmlns:r="http://schemas.openxmlformats.org/officeDocument/2006/relationships" xmlns:p="http://schemas.openxmlformats.org/presentationml/2006/main">
   <p:cSld>
+    <p:bg>
+      <p:bgPr>
+        <a:solidFill>
+          <a:schemeClr val="bg1"/>
+        </a:solidFill>
+        <a:effectLst/>
+      </p:bgPr>
+    </p:bg>
     <p:spTree>
       <p:nvGrpSpPr>
         <p:cNvPr id="1" name=""/>
@@ -3629,9 +3780,743 @@
       </p:grpSpPr>
       <p:sp>
         <p:nvSpPr>
+          <p:cNvPr id="8" name="Rectangle 7">
+            <a:extLst>
+              <a:ext uri="{FF2B5EF4-FFF2-40B4-BE49-F238E27FC236}">
+                <a16:creationId xmlns:a16="http://schemas.microsoft.com/office/drawing/2014/main" id="{7264F718-7FAC-4056-9FA9-A603EC682FE7}"/>
+              </a:ext>
+              <a:ext uri="{C183D7F6-B498-43B3-948B-1728B52AA6E4}">
+                <adec:decorative xmlns:adec="http://schemas.microsoft.com/office/drawing/2017/decorative" val="1"/>
+              </a:ext>
+            </a:extLst>
+          </p:cNvPr>
+          <p:cNvSpPr>
+            <a:spLocks noGrp="1" noRot="1" noChangeAspect="1" noMove="1" noResize="1" noEditPoints="1" noAdjustHandles="1" noChangeArrowheads="1" noChangeShapeType="1" noTextEdit="1"/>
+          </p:cNvSpPr>
+          <p:nvPr>
+            <p:extLst>
+              <p:ext uri="{386F3935-93C4-4BCD-93E2-E3B085C9AB24}">
+                <p16:designElem xmlns:p16="http://schemas.microsoft.com/office/powerpoint/2015/main" val="1"/>
+              </p:ext>
+            </p:extLst>
+          </p:nvPr>
+        </p:nvSpPr>
+        <p:spPr>
+          <a:xfrm>
+            <a:off x="1525" y="0"/>
+            <a:ext cx="12190475" cy="6858000"/>
+          </a:xfrm>
+          <a:prstGeom prst="rect">
+            <a:avLst/>
+          </a:prstGeom>
+          <a:solidFill>
+            <a:schemeClr val="tx1"/>
+          </a:solidFill>
+          <a:ln>
+            <a:noFill/>
+          </a:ln>
+        </p:spPr>
+        <p:style>
+          <a:lnRef idx="2">
+            <a:schemeClr val="accent1">
+              <a:shade val="50000"/>
+            </a:schemeClr>
+          </a:lnRef>
+          <a:fillRef idx="1">
+            <a:schemeClr val="accent1"/>
+          </a:fillRef>
+          <a:effectRef idx="0">
+            <a:schemeClr val="accent1"/>
+          </a:effectRef>
+          <a:fontRef idx="minor">
+            <a:schemeClr val="lt1"/>
+          </a:fontRef>
+        </p:style>
+        <p:txBody>
+          <a:bodyPr rtlCol="0" anchor="ctr"/>
+          <a:lstStyle/>
+          <a:p>
+            <a:pPr algn="ctr"/>
+            <a:endParaRPr lang="en-US"/>
+          </a:p>
+        </p:txBody>
+      </p:sp>
+      <p:sp>
+        <p:nvSpPr>
+          <p:cNvPr id="10" name="Freeform: Shape 9">
+            <a:extLst>
+              <a:ext uri="{FF2B5EF4-FFF2-40B4-BE49-F238E27FC236}">
+                <a16:creationId xmlns:a16="http://schemas.microsoft.com/office/drawing/2014/main" id="{F74639F7-E3C7-4165-A83E-6386A86BA1DA}"/>
+              </a:ext>
+              <a:ext uri="{C183D7F6-B498-43B3-948B-1728B52AA6E4}">
+                <adec:decorative xmlns:adec="http://schemas.microsoft.com/office/drawing/2017/decorative" val="1"/>
+              </a:ext>
+            </a:extLst>
+          </p:cNvPr>
+          <p:cNvSpPr>
+            <a:spLocks noGrp="1" noRot="1" noChangeAspect="1" noMove="1" noResize="1" noEditPoints="1" noAdjustHandles="1" noChangeArrowheads="1" noChangeShapeType="1" noTextEdit="1"/>
+          </p:cNvSpPr>
+          <p:nvPr>
+            <p:extLst>
+              <p:ext uri="{386F3935-93C4-4BCD-93E2-E3B085C9AB24}">
+                <p16:designElem xmlns:p16="http://schemas.microsoft.com/office/powerpoint/2015/main" val="1"/>
+              </p:ext>
+            </p:extLst>
+          </p:nvPr>
+        </p:nvSpPr>
+        <p:spPr>
+          <a:xfrm flipV="1">
+            <a:off x="0" y="0"/>
+            <a:ext cx="6356349" cy="6858000"/>
+          </a:xfrm>
+          <a:custGeom>
+            <a:avLst/>
+            <a:gdLst>
+              <a:gd name="connsiteX0" fmla="*/ 7539895 w 7539895"/>
+              <a:gd name="connsiteY0" fmla="*/ 6858000 h 6858000"/>
+              <a:gd name="connsiteX1" fmla="*/ 0 w 7539895"/>
+              <a:gd name="connsiteY1" fmla="*/ 6858000 h 6858000"/>
+              <a:gd name="connsiteX2" fmla="*/ 0 w 7539895"/>
+              <a:gd name="connsiteY2" fmla="*/ 0 h 6858000"/>
+              <a:gd name="connsiteX3" fmla="*/ 4363741 w 7539895"/>
+              <a:gd name="connsiteY3" fmla="*/ 0 h 6858000"/>
+            </a:gdLst>
+            <a:ahLst/>
+            <a:cxnLst>
+              <a:cxn ang="0">
+                <a:pos x="connsiteX0" y="connsiteY0"/>
+              </a:cxn>
+              <a:cxn ang="0">
+                <a:pos x="connsiteX1" y="connsiteY1"/>
+              </a:cxn>
+              <a:cxn ang="0">
+                <a:pos x="connsiteX2" y="connsiteY2"/>
+              </a:cxn>
+              <a:cxn ang="0">
+                <a:pos x="connsiteX3" y="connsiteY3"/>
+              </a:cxn>
+            </a:cxnLst>
+            <a:rect l="l" t="t" r="r" b="b"/>
+            <a:pathLst>
+              <a:path w="7539895" h="6858000">
+                <a:moveTo>
+                  <a:pt x="7539895" y="6858000"/>
+                </a:moveTo>
+                <a:lnTo>
+                  <a:pt x="0" y="6858000"/>
+                </a:lnTo>
+                <a:lnTo>
+                  <a:pt x="0" y="0"/>
+                </a:lnTo>
+                <a:lnTo>
+                  <a:pt x="4363741" y="0"/>
+                </a:lnTo>
+                <a:close/>
+              </a:path>
+            </a:pathLst>
+          </a:custGeom>
+          <a:solidFill>
+            <a:schemeClr val="bg1">
+              <a:lumMod val="85000"/>
+              <a:lumOff val="15000"/>
+              <a:alpha val="70000"/>
+            </a:schemeClr>
+          </a:solidFill>
+          <a:ln>
+            <a:noFill/>
+          </a:ln>
+        </p:spPr>
+        <p:style>
+          <a:lnRef idx="2">
+            <a:schemeClr val="accent1">
+              <a:shade val="50000"/>
+            </a:schemeClr>
+          </a:lnRef>
+          <a:fillRef idx="1">
+            <a:schemeClr val="accent1"/>
+          </a:fillRef>
+          <a:effectRef idx="0">
+            <a:schemeClr val="accent1"/>
+          </a:effectRef>
+          <a:fontRef idx="minor">
+            <a:schemeClr val="lt1"/>
+          </a:fontRef>
+        </p:style>
+        <p:txBody>
+          <a:bodyPr wrap="square" rtlCol="0" anchor="ctr">
+            <a:noAutofit/>
+          </a:bodyPr>
+          <a:lstStyle/>
+          <a:p>
+            <a:pPr algn="ctr"/>
+            <a:endParaRPr lang="en-US"/>
+          </a:p>
+        </p:txBody>
+      </p:sp>
+      <p:sp>
+        <p:nvSpPr>
+          <p:cNvPr id="12" name="Freeform: Shape 11">
+            <a:extLst>
+              <a:ext uri="{FF2B5EF4-FFF2-40B4-BE49-F238E27FC236}">
+                <a16:creationId xmlns:a16="http://schemas.microsoft.com/office/drawing/2014/main" id="{8B3AF0F1-707A-463E-B5EE-33C63A40CFC9}"/>
+              </a:ext>
+              <a:ext uri="{C183D7F6-B498-43B3-948B-1728B52AA6E4}">
+                <adec:decorative xmlns:adec="http://schemas.microsoft.com/office/drawing/2017/decorative" val="1"/>
+              </a:ext>
+            </a:extLst>
+          </p:cNvPr>
+          <p:cNvSpPr>
+            <a:spLocks noGrp="1" noRot="1" noChangeAspect="1" noMove="1" noResize="1" noEditPoints="1" noAdjustHandles="1" noChangeArrowheads="1" noChangeShapeType="1" noTextEdit="1"/>
+          </p:cNvSpPr>
+          <p:nvPr>
+            <p:extLst>
+              <p:ext uri="{386F3935-93C4-4BCD-93E2-E3B085C9AB24}">
+                <p16:designElem xmlns:p16="http://schemas.microsoft.com/office/powerpoint/2015/main" val="1"/>
+              </p:ext>
+            </p:extLst>
+          </p:nvPr>
+        </p:nvSpPr>
+        <p:spPr>
+          <a:xfrm flipV="1">
+            <a:off x="0" y="0"/>
+            <a:ext cx="5979591" cy="6858000"/>
+          </a:xfrm>
+          <a:custGeom>
+            <a:avLst/>
+            <a:gdLst>
+              <a:gd name="connsiteX0" fmla="*/ 7092985 w 7092985"/>
+              <a:gd name="connsiteY0" fmla="*/ 6858000 h 6858000"/>
+              <a:gd name="connsiteX1" fmla="*/ 0 w 7092985"/>
+              <a:gd name="connsiteY1" fmla="*/ 6858000 h 6858000"/>
+              <a:gd name="connsiteX2" fmla="*/ 0 w 7092985"/>
+              <a:gd name="connsiteY2" fmla="*/ 0 h 6858000"/>
+              <a:gd name="connsiteX3" fmla="*/ 3916831 w 7092985"/>
+              <a:gd name="connsiteY3" fmla="*/ 0 h 6858000"/>
+            </a:gdLst>
+            <a:ahLst/>
+            <a:cxnLst>
+              <a:cxn ang="0">
+                <a:pos x="connsiteX0" y="connsiteY0"/>
+              </a:cxn>
+              <a:cxn ang="0">
+                <a:pos x="connsiteX1" y="connsiteY1"/>
+              </a:cxn>
+              <a:cxn ang="0">
+                <a:pos x="connsiteX2" y="connsiteY2"/>
+              </a:cxn>
+              <a:cxn ang="0">
+                <a:pos x="connsiteX3" y="connsiteY3"/>
+              </a:cxn>
+            </a:cxnLst>
+            <a:rect l="l" t="t" r="r" b="b"/>
+            <a:pathLst>
+              <a:path w="7092985" h="6858000">
+                <a:moveTo>
+                  <a:pt x="7092985" y="6858000"/>
+                </a:moveTo>
+                <a:lnTo>
+                  <a:pt x="0" y="6858000"/>
+                </a:lnTo>
+                <a:lnTo>
+                  <a:pt x="0" y="0"/>
+                </a:lnTo>
+                <a:lnTo>
+                  <a:pt x="3916831" y="0"/>
+                </a:lnTo>
+                <a:close/>
+              </a:path>
+            </a:pathLst>
+          </a:custGeom>
+          <a:solidFill>
+            <a:schemeClr val="bg1">
+              <a:lumMod val="85000"/>
+              <a:lumOff val="15000"/>
+            </a:schemeClr>
+          </a:solidFill>
+          <a:ln>
+            <a:noFill/>
+          </a:ln>
+        </p:spPr>
+        <p:style>
+          <a:lnRef idx="2">
+            <a:schemeClr val="accent1">
+              <a:shade val="50000"/>
+            </a:schemeClr>
+          </a:lnRef>
+          <a:fillRef idx="1">
+            <a:schemeClr val="accent1"/>
+          </a:fillRef>
+          <a:effectRef idx="0">
+            <a:schemeClr val="accent1"/>
+          </a:effectRef>
+          <a:fontRef idx="minor">
+            <a:schemeClr val="lt1"/>
+          </a:fontRef>
+        </p:style>
+        <p:txBody>
+          <a:bodyPr wrap="square" rtlCol="0" anchor="ctr">
+            <a:noAutofit/>
+          </a:bodyPr>
+          <a:lstStyle/>
+          <a:p>
+            <a:pPr algn="ctr"/>
+            <a:endParaRPr lang="en-US"/>
+          </a:p>
+        </p:txBody>
+      </p:sp>
+      <p:sp>
+        <p:nvSpPr>
           <p:cNvPr id="2" name="Title 1">
             <a:extLst>
               <a:ext uri="{FF2B5EF4-FFF2-40B4-BE49-F238E27FC236}">
+                <a16:creationId xmlns:a16="http://schemas.microsoft.com/office/drawing/2014/main" id="{4CC2528C-3AE9-403E-8B86-8D74D82BC83F}"/>
+              </a:ext>
+            </a:extLst>
+          </p:cNvPr>
+          <p:cNvSpPr>
+            <a:spLocks noGrp="1"/>
+          </p:cNvSpPr>
+          <p:nvPr>
+            <p:ph type="title"/>
+          </p:nvPr>
+        </p:nvSpPr>
+        <p:spPr>
+          <a:xfrm>
+            <a:off x="841248" y="704850"/>
+            <a:ext cx="3785616" cy="2978150"/>
+          </a:xfrm>
+        </p:spPr>
+        <p:txBody>
+          <a:bodyPr anchor="b">
+            <a:normAutofit/>
+          </a:bodyPr>
+          <a:lstStyle/>
+          <a:p>
+            <a:r>
+              <a:rPr lang="fr-FR" dirty="0"/>
+              <a:t>Format to follow</a:t>
+            </a:r>
+            <a:endParaRPr lang="en-US" dirty="0"/>
+          </a:p>
+        </p:txBody>
+      </p:sp>
+      <p:sp>
+        <p:nvSpPr>
+          <p:cNvPr id="3" name="Content Placeholder 2">
+            <a:extLst>
+              <a:ext uri="{FF2B5EF4-FFF2-40B4-BE49-F238E27FC236}">
+                <a16:creationId xmlns:a16="http://schemas.microsoft.com/office/drawing/2014/main" id="{4E1FBDBB-A6C9-4249-98BE-801DEC9D0693}"/>
+              </a:ext>
+            </a:extLst>
+          </p:cNvPr>
+          <p:cNvSpPr>
+            <a:spLocks noGrp="1"/>
+          </p:cNvSpPr>
+          <p:nvPr>
+            <p:ph idx="1"/>
+          </p:nvPr>
+        </p:nvSpPr>
+        <p:spPr>
+          <a:xfrm>
+            <a:off x="6038850" y="704850"/>
+            <a:ext cx="5314950" cy="5251450"/>
+          </a:xfrm>
+        </p:spPr>
+        <p:txBody>
+          <a:bodyPr anchor="ctr">
+            <a:normAutofit/>
+          </a:bodyPr>
+          <a:lstStyle/>
+          <a:p>
+            <a:r>
+              <a:rPr lang="fr-FR" sz="2100">
+                <a:solidFill>
+                  <a:schemeClr val="bg1"/>
+                </a:solidFill>
+              </a:rPr>
+              <a:t>xxxxxxYYYYMMDD</a:t>
+            </a:r>
+          </a:p>
+          <a:p>
+            <a:r>
+              <a:rPr lang="fr-FR" sz="2100">
+                <a:solidFill>
+                  <a:schemeClr val="bg1"/>
+                </a:solidFill>
+              </a:rPr>
+              <a:t>xxxxxxYYYYMMDD.extension</a:t>
+            </a:r>
+          </a:p>
+          <a:p>
+            <a:endParaRPr lang="fr-FR" sz="2100">
+              <a:solidFill>
+                <a:schemeClr val="bg1"/>
+              </a:solidFill>
+            </a:endParaRPr>
+          </a:p>
+          <a:p>
+            <a:r>
+              <a:rPr lang="fr-FR" sz="2100">
+                <a:solidFill>
+                  <a:schemeClr val="bg1"/>
+                </a:solidFill>
+              </a:rPr>
+              <a:t>Examples:</a:t>
+            </a:r>
+          </a:p>
+          <a:p>
+            <a:pPr lvl="1"/>
+            <a:r>
+              <a:rPr lang="fr-FR" sz="2100">
+                <a:solidFill>
+                  <a:schemeClr val="bg1"/>
+                </a:solidFill>
+              </a:rPr>
+              <a:t>ARISTA-SW-AGILE2-TC1-B13_B14-2-20200927.cfg</a:t>
+            </a:r>
+          </a:p>
+          <a:p>
+            <a:pPr lvl="1"/>
+            <a:r>
+              <a:rPr lang="fr-FR" sz="2100">
+                <a:solidFill>
+                  <a:schemeClr val="bg1"/>
+                </a:solidFill>
+              </a:rPr>
+              <a:t>SWITCH-LBN-AGILE-V-1-20200927</a:t>
+            </a:r>
+          </a:p>
+        </p:txBody>
+      </p:sp>
+    </p:spTree>
+    <p:extLst>
+      <p:ext uri="{BB962C8B-B14F-4D97-AF65-F5344CB8AC3E}">
+        <p14:creationId xmlns:p14="http://schemas.microsoft.com/office/powerpoint/2010/main" val="2279954095"/>
+      </p:ext>
+    </p:extLst>
+  </p:cSld>
+  <p:clrMapOvr>
+    <a:overrideClrMapping bg1="dk1" tx1="lt1" bg2="dk2" tx2="lt2" accent1="accent1" accent2="accent2" accent3="accent3" accent4="accent4" accent5="accent5" accent6="accent6" hlink="hlink" folHlink="folHlink"/>
+  </p:clrMapOvr>
+</p:sld>
+</file>
+
+<file path=ppt/slides/slide13.xml><?xml version="1.0" encoding="utf-8"?>
+<p:sld xmlns:a="http://schemas.openxmlformats.org/drawingml/2006/main" xmlns:r="http://schemas.openxmlformats.org/officeDocument/2006/relationships" xmlns:p="http://schemas.openxmlformats.org/presentationml/2006/main">
+  <p:cSld>
+    <p:bg>
+      <p:bgPr>
+        <a:solidFill>
+          <a:schemeClr val="bg1"/>
+        </a:solidFill>
+        <a:effectLst/>
+      </p:bgPr>
+    </p:bg>
+    <p:spTree>
+      <p:nvGrpSpPr>
+        <p:cNvPr id="1" name=""/>
+        <p:cNvGrpSpPr/>
+        <p:nvPr/>
+      </p:nvGrpSpPr>
+      <p:grpSpPr>
+        <a:xfrm>
+          <a:off x="0" y="0"/>
+          <a:ext cx="0" cy="0"/>
+          <a:chOff x="0" y="0"/>
+          <a:chExt cx="0" cy="0"/>
+        </a:xfrm>
+      </p:grpSpPr>
+      <p:sp>
+        <p:nvSpPr>
+          <p:cNvPr id="34" name="Rectangle 33">
+            <a:extLst>
+              <a:ext uri="{FF2B5EF4-FFF2-40B4-BE49-F238E27FC236}">
+                <a16:creationId xmlns:a16="http://schemas.microsoft.com/office/drawing/2014/main" id="{7264F718-7FAC-4056-9FA9-A603EC682FE7}"/>
+              </a:ext>
+              <a:ext uri="{C183D7F6-B498-43B3-948B-1728B52AA6E4}">
+                <adec:decorative xmlns:adec="http://schemas.microsoft.com/office/drawing/2017/decorative" val="1"/>
+              </a:ext>
+            </a:extLst>
+          </p:cNvPr>
+          <p:cNvSpPr>
+            <a:spLocks noGrp="1" noRot="1" noChangeAspect="1" noMove="1" noResize="1" noEditPoints="1" noAdjustHandles="1" noChangeArrowheads="1" noChangeShapeType="1" noTextEdit="1"/>
+          </p:cNvSpPr>
+          <p:nvPr>
+            <p:extLst>
+              <p:ext uri="{386F3935-93C4-4BCD-93E2-E3B085C9AB24}">
+                <p16:designElem xmlns:p16="http://schemas.microsoft.com/office/powerpoint/2015/main" val="1"/>
+              </p:ext>
+            </p:extLst>
+          </p:nvPr>
+        </p:nvSpPr>
+        <p:spPr>
+          <a:xfrm>
+            <a:off x="1525" y="0"/>
+            <a:ext cx="12190475" cy="6858000"/>
+          </a:xfrm>
+          <a:prstGeom prst="rect">
+            <a:avLst/>
+          </a:prstGeom>
+          <a:solidFill>
+            <a:schemeClr val="tx1"/>
+          </a:solidFill>
+          <a:ln>
+            <a:noFill/>
+          </a:ln>
+        </p:spPr>
+        <p:style>
+          <a:lnRef idx="2">
+            <a:schemeClr val="accent1">
+              <a:shade val="50000"/>
+            </a:schemeClr>
+          </a:lnRef>
+          <a:fillRef idx="1">
+            <a:schemeClr val="accent1"/>
+          </a:fillRef>
+          <a:effectRef idx="0">
+            <a:schemeClr val="accent1"/>
+          </a:effectRef>
+          <a:fontRef idx="minor">
+            <a:schemeClr val="lt1"/>
+          </a:fontRef>
+        </p:style>
+        <p:txBody>
+          <a:bodyPr rtlCol="0" anchor="ctr"/>
+          <a:lstStyle/>
+          <a:p>
+            <a:pPr algn="ctr"/>
+            <a:endParaRPr lang="en-US"/>
+          </a:p>
+        </p:txBody>
+      </p:sp>
+      <p:sp>
+        <p:nvSpPr>
+          <p:cNvPr id="40" name="Freeform: Shape 35">
+            <a:extLst>
+              <a:ext uri="{FF2B5EF4-FFF2-40B4-BE49-F238E27FC236}">
+                <a16:creationId xmlns:a16="http://schemas.microsoft.com/office/drawing/2014/main" id="{F74639F7-E3C7-4165-A83E-6386A86BA1DA}"/>
+              </a:ext>
+              <a:ext uri="{C183D7F6-B498-43B3-948B-1728B52AA6E4}">
+                <adec:decorative xmlns:adec="http://schemas.microsoft.com/office/drawing/2017/decorative" val="1"/>
+              </a:ext>
+            </a:extLst>
+          </p:cNvPr>
+          <p:cNvSpPr>
+            <a:spLocks noGrp="1" noRot="1" noChangeAspect="1" noMove="1" noResize="1" noEditPoints="1" noAdjustHandles="1" noChangeArrowheads="1" noChangeShapeType="1" noTextEdit="1"/>
+          </p:cNvSpPr>
+          <p:nvPr>
+            <p:extLst>
+              <p:ext uri="{386F3935-93C4-4BCD-93E2-E3B085C9AB24}">
+                <p16:designElem xmlns:p16="http://schemas.microsoft.com/office/powerpoint/2015/main" val="1"/>
+              </p:ext>
+            </p:extLst>
+          </p:nvPr>
+        </p:nvSpPr>
+        <p:spPr>
+          <a:xfrm flipV="1">
+            <a:off x="0" y="0"/>
+            <a:ext cx="6356349" cy="6858000"/>
+          </a:xfrm>
+          <a:custGeom>
+            <a:avLst/>
+            <a:gdLst>
+              <a:gd name="connsiteX0" fmla="*/ 7539895 w 7539895"/>
+              <a:gd name="connsiteY0" fmla="*/ 6858000 h 6858000"/>
+              <a:gd name="connsiteX1" fmla="*/ 0 w 7539895"/>
+              <a:gd name="connsiteY1" fmla="*/ 6858000 h 6858000"/>
+              <a:gd name="connsiteX2" fmla="*/ 0 w 7539895"/>
+              <a:gd name="connsiteY2" fmla="*/ 0 h 6858000"/>
+              <a:gd name="connsiteX3" fmla="*/ 4363741 w 7539895"/>
+              <a:gd name="connsiteY3" fmla="*/ 0 h 6858000"/>
+            </a:gdLst>
+            <a:ahLst/>
+            <a:cxnLst>
+              <a:cxn ang="0">
+                <a:pos x="connsiteX0" y="connsiteY0"/>
+              </a:cxn>
+              <a:cxn ang="0">
+                <a:pos x="connsiteX1" y="connsiteY1"/>
+              </a:cxn>
+              <a:cxn ang="0">
+                <a:pos x="connsiteX2" y="connsiteY2"/>
+              </a:cxn>
+              <a:cxn ang="0">
+                <a:pos x="connsiteX3" y="connsiteY3"/>
+              </a:cxn>
+            </a:cxnLst>
+            <a:rect l="l" t="t" r="r" b="b"/>
+            <a:pathLst>
+              <a:path w="7539895" h="6858000">
+                <a:moveTo>
+                  <a:pt x="7539895" y="6858000"/>
+                </a:moveTo>
+                <a:lnTo>
+                  <a:pt x="0" y="6858000"/>
+                </a:lnTo>
+                <a:lnTo>
+                  <a:pt x="0" y="0"/>
+                </a:lnTo>
+                <a:lnTo>
+                  <a:pt x="4363741" y="0"/>
+                </a:lnTo>
+                <a:close/>
+              </a:path>
+            </a:pathLst>
+          </a:custGeom>
+          <a:solidFill>
+            <a:schemeClr val="bg1">
+              <a:lumMod val="85000"/>
+              <a:lumOff val="15000"/>
+              <a:alpha val="70000"/>
+            </a:schemeClr>
+          </a:solidFill>
+          <a:ln>
+            <a:noFill/>
+          </a:ln>
+        </p:spPr>
+        <p:style>
+          <a:lnRef idx="2">
+            <a:schemeClr val="accent1">
+              <a:shade val="50000"/>
+            </a:schemeClr>
+          </a:lnRef>
+          <a:fillRef idx="1">
+            <a:schemeClr val="accent1"/>
+          </a:fillRef>
+          <a:effectRef idx="0">
+            <a:schemeClr val="accent1"/>
+          </a:effectRef>
+          <a:fontRef idx="minor">
+            <a:schemeClr val="lt1"/>
+          </a:fontRef>
+        </p:style>
+        <p:txBody>
+          <a:bodyPr wrap="square" rtlCol="0" anchor="ctr">
+            <a:noAutofit/>
+          </a:bodyPr>
+          <a:lstStyle/>
+          <a:p>
+            <a:pPr algn="ctr"/>
+            <a:endParaRPr lang="en-US"/>
+          </a:p>
+        </p:txBody>
+      </p:sp>
+      <p:sp>
+        <p:nvSpPr>
+          <p:cNvPr id="41" name="Freeform: Shape 37">
+            <a:extLst>
+              <a:ext uri="{FF2B5EF4-FFF2-40B4-BE49-F238E27FC236}">
+                <a16:creationId xmlns:a16="http://schemas.microsoft.com/office/drawing/2014/main" id="{8B3AF0F1-707A-463E-B5EE-33C63A40CFC9}"/>
+              </a:ext>
+              <a:ext uri="{C183D7F6-B498-43B3-948B-1728B52AA6E4}">
+                <adec:decorative xmlns:adec="http://schemas.microsoft.com/office/drawing/2017/decorative" val="1"/>
+              </a:ext>
+            </a:extLst>
+          </p:cNvPr>
+          <p:cNvSpPr>
+            <a:spLocks noGrp="1" noRot="1" noChangeAspect="1" noMove="1" noResize="1" noEditPoints="1" noAdjustHandles="1" noChangeArrowheads="1" noChangeShapeType="1" noTextEdit="1"/>
+          </p:cNvSpPr>
+          <p:nvPr>
+            <p:extLst>
+              <p:ext uri="{386F3935-93C4-4BCD-93E2-E3B085C9AB24}">
+                <p16:designElem xmlns:p16="http://schemas.microsoft.com/office/powerpoint/2015/main" val="1"/>
+              </p:ext>
+            </p:extLst>
+          </p:nvPr>
+        </p:nvSpPr>
+        <p:spPr>
+          <a:xfrm flipV="1">
+            <a:off x="0" y="0"/>
+            <a:ext cx="5979591" cy="6858000"/>
+          </a:xfrm>
+          <a:custGeom>
+            <a:avLst/>
+            <a:gdLst>
+              <a:gd name="connsiteX0" fmla="*/ 7092985 w 7092985"/>
+              <a:gd name="connsiteY0" fmla="*/ 6858000 h 6858000"/>
+              <a:gd name="connsiteX1" fmla="*/ 0 w 7092985"/>
+              <a:gd name="connsiteY1" fmla="*/ 6858000 h 6858000"/>
+              <a:gd name="connsiteX2" fmla="*/ 0 w 7092985"/>
+              <a:gd name="connsiteY2" fmla="*/ 0 h 6858000"/>
+              <a:gd name="connsiteX3" fmla="*/ 3916831 w 7092985"/>
+              <a:gd name="connsiteY3" fmla="*/ 0 h 6858000"/>
+            </a:gdLst>
+            <a:ahLst/>
+            <a:cxnLst>
+              <a:cxn ang="0">
+                <a:pos x="connsiteX0" y="connsiteY0"/>
+              </a:cxn>
+              <a:cxn ang="0">
+                <a:pos x="connsiteX1" y="connsiteY1"/>
+              </a:cxn>
+              <a:cxn ang="0">
+                <a:pos x="connsiteX2" y="connsiteY2"/>
+              </a:cxn>
+              <a:cxn ang="0">
+                <a:pos x="connsiteX3" y="connsiteY3"/>
+              </a:cxn>
+            </a:cxnLst>
+            <a:rect l="l" t="t" r="r" b="b"/>
+            <a:pathLst>
+              <a:path w="7092985" h="6858000">
+                <a:moveTo>
+                  <a:pt x="7092985" y="6858000"/>
+                </a:moveTo>
+                <a:lnTo>
+                  <a:pt x="0" y="6858000"/>
+                </a:lnTo>
+                <a:lnTo>
+                  <a:pt x="0" y="0"/>
+                </a:lnTo>
+                <a:lnTo>
+                  <a:pt x="3916831" y="0"/>
+                </a:lnTo>
+                <a:close/>
+              </a:path>
+            </a:pathLst>
+          </a:custGeom>
+          <a:solidFill>
+            <a:schemeClr val="bg1">
+              <a:lumMod val="85000"/>
+              <a:lumOff val="15000"/>
+            </a:schemeClr>
+          </a:solidFill>
+          <a:ln>
+            <a:noFill/>
+          </a:ln>
+        </p:spPr>
+        <p:style>
+          <a:lnRef idx="2">
+            <a:schemeClr val="accent1">
+              <a:shade val="50000"/>
+            </a:schemeClr>
+          </a:lnRef>
+          <a:fillRef idx="1">
+            <a:schemeClr val="accent1"/>
+          </a:fillRef>
+          <a:effectRef idx="0">
+            <a:schemeClr val="accent1"/>
+          </a:effectRef>
+          <a:fontRef idx="minor">
+            <a:schemeClr val="lt1"/>
+          </a:fontRef>
+        </p:style>
+        <p:txBody>
+          <a:bodyPr wrap="square" rtlCol="0" anchor="ctr">
+            <a:noAutofit/>
+          </a:bodyPr>
+          <a:lstStyle/>
+          <a:p>
+            <a:pPr algn="ctr"/>
+            <a:endParaRPr lang="en-US"/>
+          </a:p>
+        </p:txBody>
+      </p:sp>
+      <p:sp>
+        <p:nvSpPr>
+          <p:cNvPr id="2" name="Title 1">
+            <a:extLst>
+              <a:ext uri="{FF2B5EF4-FFF2-40B4-BE49-F238E27FC236}">
                 <a16:creationId xmlns:a16="http://schemas.microsoft.com/office/drawing/2014/main" id="{BD197AB0-547F-40DD-A165-E78F774F989A}"/>
               </a:ext>
             </a:extLst>
@@ -3643,12 +4528,18 @@
             <p:ph type="title"/>
           </p:nvPr>
         </p:nvSpPr>
-        <p:spPr/>
-        <p:txBody>
-          <a:bodyPr/>
-          <a:lstStyle/>
-          <a:p>
-            <a:pPr algn="ctr"/>
+        <p:spPr>
+          <a:xfrm>
+            <a:off x="841248" y="704850"/>
+            <a:ext cx="3785616" cy="2978150"/>
+          </a:xfrm>
+        </p:spPr>
+        <p:txBody>
+          <a:bodyPr anchor="b">
+            <a:normAutofit/>
+          </a:bodyPr>
+          <a:lstStyle/>
+          <a:p>
             <a:r>
               <a:rPr lang="fr-FR" dirty="0"/>
               <a:t>Intro</a:t>
@@ -3673,17 +4564,31 @@
             <p:ph idx="1"/>
           </p:nvPr>
         </p:nvSpPr>
-        <p:spPr/>
-        <p:txBody>
-          <a:bodyPr/>
-          <a:lstStyle/>
-          <a:p>
-            <a:r>
-              <a:rPr lang="fr-FR" dirty="0"/>
+        <p:spPr>
+          <a:xfrm>
+            <a:off x="6038850" y="704850"/>
+            <a:ext cx="5314950" cy="5251450"/>
+          </a:xfrm>
+        </p:spPr>
+        <p:txBody>
+          <a:bodyPr anchor="ctr">
+            <a:normAutofit/>
+          </a:bodyPr>
+          <a:lstStyle/>
+          <a:p>
+            <a:r>
+              <a:rPr lang="fr-FR" sz="2100" dirty="0">
+                <a:solidFill>
+                  <a:schemeClr val="bg1"/>
+                </a:solidFill>
+              </a:rPr>
               <a:t>E.g. </a:t>
             </a:r>
             <a:r>
-              <a:rPr lang="en-US" sz="2800" dirty="0">
+              <a:rPr lang="en-US" sz="2100" dirty="0">
+                <a:solidFill>
+                  <a:schemeClr val="bg1"/>
+                </a:solidFill>
                 <a:effectLst/>
                 <a:latin typeface="Calibri" panose="020F0502020204030204" pitchFamily="34" charset="0"/>
                 <a:ea typeface="Calibri" panose="020F0502020204030204" pitchFamily="34" charset="0"/>
@@ -3692,14 +4597,761 @@
             </a:r>
           </a:p>
           <a:p>
-            <a:endParaRPr lang="en-US" dirty="0">
+            <a:endParaRPr lang="en-US" sz="2100" dirty="0">
+              <a:solidFill>
+                <a:schemeClr val="bg1"/>
+              </a:solidFill>
               <a:latin typeface="Calibri" panose="020F0502020204030204" pitchFamily="34" charset="0"/>
             </a:endParaRPr>
           </a:p>
           <a:p>
             <a:pPr lvl="1"/>
             <a:r>
-              <a:rPr lang="en-US" dirty="0">
+              <a:rPr lang="en-US" sz="2100" dirty="0">
+                <a:solidFill>
+                  <a:schemeClr val="bg1"/>
+                </a:solidFill>
+                <a:latin typeface="Calibri" panose="020F0502020204030204" pitchFamily="34" charset="0"/>
+              </a:rPr>
+              <a:t>The network admin/engineer/manager must verify the date of the last backup performed.</a:t>
+            </a:r>
+          </a:p>
+          <a:p>
+            <a:pPr lvl="1"/>
+            <a:endParaRPr lang="en-US" sz="2100" dirty="0">
+              <a:solidFill>
+                <a:schemeClr val="bg1"/>
+              </a:solidFill>
+              <a:latin typeface="Calibri" panose="020F0502020204030204" pitchFamily="34" charset="0"/>
+            </a:endParaRPr>
+          </a:p>
+          <a:p>
+            <a:pPr lvl="1"/>
+            <a:r>
+              <a:rPr lang="en-US" sz="2100" dirty="0">
+                <a:solidFill>
+                  <a:schemeClr val="bg1"/>
+                </a:solidFill>
+                <a:highlight>
+                  <a:srgbClr val="FFFF00"/>
+                </a:highlight>
+                <a:latin typeface="Calibri" panose="020F0502020204030204" pitchFamily="34" charset="0"/>
+              </a:rPr>
+              <a:t>If backup is not being well done he/she will now have to investigate why the backup has not been done regularly.</a:t>
+            </a:r>
+            <a:endParaRPr lang="en-US" sz="2100" dirty="0">
+              <a:solidFill>
+                <a:schemeClr val="bg1"/>
+              </a:solidFill>
+              <a:highlight>
+                <a:srgbClr val="FFFF00"/>
+              </a:highlight>
+            </a:endParaRPr>
+          </a:p>
+        </p:txBody>
+      </p:sp>
+    </p:spTree>
+    <p:extLst>
+      <p:ext uri="{BB962C8B-B14F-4D97-AF65-F5344CB8AC3E}">
+        <p14:creationId xmlns:p14="http://schemas.microsoft.com/office/powerpoint/2010/main" val="2639928942"/>
+      </p:ext>
+    </p:extLst>
+  </p:cSld>
+  <p:clrMapOvr>
+    <a:overrideClrMapping bg1="dk1" tx1="lt1" bg2="dk2" tx2="lt2" accent1="accent1" accent2="accent2" accent3="accent3" accent4="accent4" accent5="accent5" accent6="accent6" hlink="hlink" folHlink="folHlink"/>
+  </p:clrMapOvr>
+</p:sld>
+</file>
+
+<file path=ppt/slides/slide2.xml><?xml version="1.0" encoding="utf-8"?>
+<p:sld xmlns:a="http://schemas.openxmlformats.org/drawingml/2006/main" xmlns:r="http://schemas.openxmlformats.org/officeDocument/2006/relationships" xmlns:p="http://schemas.openxmlformats.org/presentationml/2006/main">
+  <p:cSld>
+    <p:bg>
+      <p:bgPr>
+        <a:solidFill>
+          <a:schemeClr val="bg1">
+            <a:tint val="95000"/>
+            <a:satMod val="170000"/>
+          </a:schemeClr>
+        </a:solidFill>
+        <a:effectLst/>
+      </p:bgPr>
+    </p:bg>
+    <p:spTree>
+      <p:nvGrpSpPr>
+        <p:cNvPr id="1" name=""/>
+        <p:cNvGrpSpPr/>
+        <p:nvPr/>
+      </p:nvGrpSpPr>
+      <p:grpSpPr>
+        <a:xfrm>
+          <a:off x="0" y="0"/>
+          <a:ext cx="0" cy="0"/>
+          <a:chOff x="0" y="0"/>
+          <a:chExt cx="0" cy="0"/>
+        </a:xfrm>
+      </p:grpSpPr>
+      <p:sp>
+        <p:nvSpPr>
+          <p:cNvPr id="2" name="Title 1">
+            <a:extLst>
+              <a:ext uri="{FF2B5EF4-FFF2-40B4-BE49-F238E27FC236}">
+                <a16:creationId xmlns:a16="http://schemas.microsoft.com/office/drawing/2014/main" id="{BD197AB0-547F-40DD-A165-E78F774F989A}"/>
+              </a:ext>
+            </a:extLst>
+          </p:cNvPr>
+          <p:cNvSpPr>
+            <a:spLocks noGrp="1"/>
+          </p:cNvSpPr>
+          <p:nvPr>
+            <p:ph type="title"/>
+          </p:nvPr>
+        </p:nvSpPr>
+        <p:spPr>
+          <a:xfrm>
+            <a:off x="7464614" y="1783959"/>
+            <a:ext cx="4087306" cy="2889114"/>
+          </a:xfrm>
+        </p:spPr>
+        <p:txBody>
+          <a:bodyPr vert="horz" lIns="91440" tIns="45720" rIns="91440" bIns="45720" rtlCol="0" anchor="b">
+            <a:normAutofit/>
+          </a:bodyPr>
+          <a:lstStyle/>
+          <a:p>
+            <a:r>
+              <a:rPr lang="en-US" sz="5400"/>
+              <a:t>Intro</a:t>
+            </a:r>
+          </a:p>
+        </p:txBody>
+      </p:sp>
+      <p:sp>
+        <p:nvSpPr>
+          <p:cNvPr id="51" name="Freeform: Shape 15">
+            <a:extLst>
+              <a:ext uri="{FF2B5EF4-FFF2-40B4-BE49-F238E27FC236}">
+                <a16:creationId xmlns:a16="http://schemas.microsoft.com/office/drawing/2014/main" id="{E49CC64F-7275-4E33-961B-0C5CDC439875}"/>
+              </a:ext>
+              <a:ext uri="{C183D7F6-B498-43B3-948B-1728B52AA6E4}">
+                <adec:decorative xmlns:adec="http://schemas.microsoft.com/office/drawing/2017/decorative" val="1"/>
+              </a:ext>
+            </a:extLst>
+          </p:cNvPr>
+          <p:cNvSpPr>
+            <a:spLocks noGrp="1" noRot="1" noChangeAspect="1" noMove="1" noResize="1" noEditPoints="1" noAdjustHandles="1" noChangeArrowheads="1" noChangeShapeType="1" noTextEdit="1"/>
+          </p:cNvSpPr>
+          <p:nvPr>
+            <p:extLst>
+              <p:ext uri="{386F3935-93C4-4BCD-93E2-E3B085C9AB24}">
+                <p16:designElem xmlns:p16="http://schemas.microsoft.com/office/powerpoint/2015/main" val="1"/>
+              </p:ext>
+            </p:extLst>
+          </p:nvPr>
+        </p:nvSpPr>
+        <p:spPr>
+          <a:xfrm flipH="1" flipV="1">
+            <a:off x="1" y="0"/>
+            <a:ext cx="7188051" cy="6858000"/>
+          </a:xfrm>
+          <a:custGeom>
+            <a:avLst/>
+            <a:gdLst>
+              <a:gd name="connsiteX0" fmla="*/ 7188051 w 7188051"/>
+              <a:gd name="connsiteY0" fmla="*/ 6858000 h 6858000"/>
+              <a:gd name="connsiteX1" fmla="*/ 108694 w 7188051"/>
+              <a:gd name="connsiteY1" fmla="*/ 6858000 h 6858000"/>
+              <a:gd name="connsiteX2" fmla="*/ 79127 w 7188051"/>
+              <a:gd name="connsiteY2" fmla="*/ 6681235 h 6858000"/>
+              <a:gd name="connsiteX3" fmla="*/ 0 w 7188051"/>
+              <a:gd name="connsiteY3" fmla="*/ 5565888 h 6858000"/>
+              <a:gd name="connsiteX4" fmla="*/ 2190696 w 7188051"/>
+              <a:gd name="connsiteY4" fmla="*/ 145339 h 6858000"/>
+              <a:gd name="connsiteX5" fmla="*/ 2339431 w 7188051"/>
+              <a:gd name="connsiteY5" fmla="*/ 0 h 6858000"/>
+              <a:gd name="connsiteX6" fmla="*/ 7188051 w 7188051"/>
+              <a:gd name="connsiteY6" fmla="*/ 0 h 6858000"/>
+            </a:gdLst>
+            <a:ahLst/>
+            <a:cxnLst>
+              <a:cxn ang="0">
+                <a:pos x="connsiteX0" y="connsiteY0"/>
+              </a:cxn>
+              <a:cxn ang="0">
+                <a:pos x="connsiteX1" y="connsiteY1"/>
+              </a:cxn>
+              <a:cxn ang="0">
+                <a:pos x="connsiteX2" y="connsiteY2"/>
+              </a:cxn>
+              <a:cxn ang="0">
+                <a:pos x="connsiteX3" y="connsiteY3"/>
+              </a:cxn>
+              <a:cxn ang="0">
+                <a:pos x="connsiteX4" y="connsiteY4"/>
+              </a:cxn>
+              <a:cxn ang="0">
+                <a:pos x="connsiteX5" y="connsiteY5"/>
+              </a:cxn>
+              <a:cxn ang="0">
+                <a:pos x="connsiteX6" y="connsiteY6"/>
+              </a:cxn>
+            </a:cxnLst>
+            <a:rect l="l" t="t" r="r" b="b"/>
+            <a:pathLst>
+              <a:path w="7188051" h="6858000">
+                <a:moveTo>
+                  <a:pt x="7188051" y="6858000"/>
+                </a:moveTo>
+                <a:lnTo>
+                  <a:pt x="108694" y="6858000"/>
+                </a:lnTo>
+                <a:lnTo>
+                  <a:pt x="79127" y="6681235"/>
+                </a:lnTo>
+                <a:cubicBezTo>
+                  <a:pt x="26981" y="6316967"/>
+                  <a:pt x="0" y="5944579"/>
+                  <a:pt x="0" y="5565888"/>
+                </a:cubicBezTo>
+                <a:cubicBezTo>
+                  <a:pt x="0" y="3459953"/>
+                  <a:pt x="834428" y="1548908"/>
+                  <a:pt x="2190696" y="145339"/>
+                </a:cubicBezTo>
+                <a:lnTo>
+                  <a:pt x="2339431" y="0"/>
+                </a:lnTo>
+                <a:lnTo>
+                  <a:pt x="7188051" y="0"/>
+                </a:lnTo>
+                <a:close/>
+              </a:path>
+            </a:pathLst>
+          </a:custGeom>
+          <a:solidFill>
+            <a:schemeClr val="tx1">
+              <a:alpha val="80000"/>
+            </a:schemeClr>
+          </a:solidFill>
+          <a:ln>
+            <a:noFill/>
+          </a:ln>
+        </p:spPr>
+        <p:style>
+          <a:lnRef idx="2">
+            <a:schemeClr val="accent1">
+              <a:shade val="50000"/>
+            </a:schemeClr>
+          </a:lnRef>
+          <a:fillRef idx="1">
+            <a:schemeClr val="accent1"/>
+          </a:fillRef>
+          <a:effectRef idx="0">
+            <a:schemeClr val="accent1"/>
+          </a:effectRef>
+          <a:fontRef idx="minor">
+            <a:schemeClr val="lt1"/>
+          </a:fontRef>
+        </p:style>
+        <p:txBody>
+          <a:bodyPr wrap="square" rtlCol="0" anchor="ctr">
+            <a:noAutofit/>
+          </a:bodyPr>
+          <a:lstStyle/>
+          <a:p>
+            <a:pPr algn="ctr"/>
+            <a:endParaRPr lang="en-US"/>
+          </a:p>
+        </p:txBody>
+      </p:sp>
+      <p:pic>
+        <p:nvPicPr>
+          <p:cNvPr id="4" name="Content Placeholder 3">
+            <a:extLst>
+              <a:ext uri="{FF2B5EF4-FFF2-40B4-BE49-F238E27FC236}">
+                <a16:creationId xmlns:a16="http://schemas.microsoft.com/office/drawing/2014/main" id="{0056CD83-C33F-48C0-B2B3-0E28EB299741}"/>
+              </a:ext>
+            </a:extLst>
+          </p:cNvPr>
+          <p:cNvPicPr>
+            <a:picLocks noGrp="1" noChangeAspect="1"/>
+          </p:cNvPicPr>
+          <p:nvPr>
+            <p:ph idx="1"/>
+          </p:nvPr>
+        </p:nvPicPr>
+        <p:blipFill rotWithShape="1">
+          <a:blip r:embed="rId2"/>
+          <a:srcRect r="24415" b="-2"/>
+          <a:stretch/>
+        </p:blipFill>
+        <p:spPr>
+          <a:xfrm>
+            <a:off x="1" y="10"/>
+            <a:ext cx="7028495" cy="6857990"/>
+          </a:xfrm>
+          <a:custGeom>
+            <a:avLst/>
+            <a:gdLst/>
+            <a:ahLst/>
+            <a:cxnLst/>
+            <a:rect l="l" t="t" r="r" b="b"/>
+            <a:pathLst>
+              <a:path w="7028495" h="6858000">
+                <a:moveTo>
+                  <a:pt x="0" y="0"/>
+                </a:moveTo>
+                <a:lnTo>
+                  <a:pt x="6915668" y="0"/>
+                </a:lnTo>
+                <a:lnTo>
+                  <a:pt x="6952411" y="219663"/>
+                </a:lnTo>
+                <a:cubicBezTo>
+                  <a:pt x="7002551" y="569921"/>
+                  <a:pt x="7028495" y="927986"/>
+                  <a:pt x="7028495" y="1292112"/>
+                </a:cubicBezTo>
+                <a:cubicBezTo>
+                  <a:pt x="7028495" y="3343346"/>
+                  <a:pt x="6205186" y="5202289"/>
+                  <a:pt x="4870994" y="6556512"/>
+                </a:cubicBezTo>
+                <a:lnTo>
+                  <a:pt x="4556185" y="6858000"/>
+                </a:lnTo>
+                <a:lnTo>
+                  <a:pt x="0" y="6858000"/>
+                </a:lnTo>
+                <a:close/>
+              </a:path>
+            </a:pathLst>
+          </a:custGeom>
+        </p:spPr>
+      </p:pic>
+    </p:spTree>
+    <p:extLst>
+      <p:ext uri="{BB962C8B-B14F-4D97-AF65-F5344CB8AC3E}">
+        <p14:creationId xmlns:p14="http://schemas.microsoft.com/office/powerpoint/2010/main" val="3501113695"/>
+      </p:ext>
+    </p:extLst>
+  </p:cSld>
+  <p:clrMapOvr>
+    <a:overrideClrMapping bg1="dk1" tx1="lt1" bg2="dk2" tx2="lt2" accent1="accent1" accent2="accent2" accent3="accent3" accent4="accent4" accent5="accent5" accent6="accent6" hlink="hlink" folHlink="folHlink"/>
+  </p:clrMapOvr>
+</p:sld>
+</file>
+
+<file path=ppt/slides/slide3.xml><?xml version="1.0" encoding="utf-8"?>
+<p:sld xmlns:a="http://schemas.openxmlformats.org/drawingml/2006/main" xmlns:r="http://schemas.openxmlformats.org/officeDocument/2006/relationships" xmlns:p="http://schemas.openxmlformats.org/presentationml/2006/main">
+  <p:cSld>
+    <p:bg>
+      <p:bgPr>
+        <a:solidFill>
+          <a:schemeClr val="bg1"/>
+        </a:solidFill>
+        <a:effectLst/>
+      </p:bgPr>
+    </p:bg>
+    <p:spTree>
+      <p:nvGrpSpPr>
+        <p:cNvPr id="1" name=""/>
+        <p:cNvGrpSpPr/>
+        <p:nvPr/>
+      </p:nvGrpSpPr>
+      <p:grpSpPr>
+        <a:xfrm>
+          <a:off x="0" y="0"/>
+          <a:ext cx="0" cy="0"/>
+          <a:chOff x="0" y="0"/>
+          <a:chExt cx="0" cy="0"/>
+        </a:xfrm>
+      </p:grpSpPr>
+      <p:sp>
+        <p:nvSpPr>
+          <p:cNvPr id="34" name="Rectangle 33">
+            <a:extLst>
+              <a:ext uri="{FF2B5EF4-FFF2-40B4-BE49-F238E27FC236}">
+                <a16:creationId xmlns:a16="http://schemas.microsoft.com/office/drawing/2014/main" id="{7264F718-7FAC-4056-9FA9-A603EC682FE7}"/>
+              </a:ext>
+              <a:ext uri="{C183D7F6-B498-43B3-948B-1728B52AA6E4}">
+                <adec:decorative xmlns:adec="http://schemas.microsoft.com/office/drawing/2017/decorative" val="1"/>
+              </a:ext>
+            </a:extLst>
+          </p:cNvPr>
+          <p:cNvSpPr>
+            <a:spLocks noGrp="1" noRot="1" noChangeAspect="1" noMove="1" noResize="1" noEditPoints="1" noAdjustHandles="1" noChangeArrowheads="1" noChangeShapeType="1" noTextEdit="1"/>
+          </p:cNvSpPr>
+          <p:nvPr>
+            <p:extLst>
+              <p:ext uri="{386F3935-93C4-4BCD-93E2-E3B085C9AB24}">
+                <p16:designElem xmlns:p16="http://schemas.microsoft.com/office/powerpoint/2015/main" val="1"/>
+              </p:ext>
+            </p:extLst>
+          </p:nvPr>
+        </p:nvSpPr>
+        <p:spPr>
+          <a:xfrm>
+            <a:off x="1525" y="0"/>
+            <a:ext cx="12190475" cy="6858000"/>
+          </a:xfrm>
+          <a:prstGeom prst="rect">
+            <a:avLst/>
+          </a:prstGeom>
+          <a:solidFill>
+            <a:schemeClr val="tx1"/>
+          </a:solidFill>
+          <a:ln>
+            <a:noFill/>
+          </a:ln>
+        </p:spPr>
+        <p:style>
+          <a:lnRef idx="2">
+            <a:schemeClr val="accent1">
+              <a:shade val="50000"/>
+            </a:schemeClr>
+          </a:lnRef>
+          <a:fillRef idx="1">
+            <a:schemeClr val="accent1"/>
+          </a:fillRef>
+          <a:effectRef idx="0">
+            <a:schemeClr val="accent1"/>
+          </a:effectRef>
+          <a:fontRef idx="minor">
+            <a:schemeClr val="lt1"/>
+          </a:fontRef>
+        </p:style>
+        <p:txBody>
+          <a:bodyPr rtlCol="0" anchor="ctr"/>
+          <a:lstStyle/>
+          <a:p>
+            <a:pPr algn="ctr"/>
+            <a:endParaRPr lang="en-US"/>
+          </a:p>
+        </p:txBody>
+      </p:sp>
+      <p:sp>
+        <p:nvSpPr>
+          <p:cNvPr id="40" name="Freeform: Shape 35">
+            <a:extLst>
+              <a:ext uri="{FF2B5EF4-FFF2-40B4-BE49-F238E27FC236}">
+                <a16:creationId xmlns:a16="http://schemas.microsoft.com/office/drawing/2014/main" id="{F74639F7-E3C7-4165-A83E-6386A86BA1DA}"/>
+              </a:ext>
+              <a:ext uri="{C183D7F6-B498-43B3-948B-1728B52AA6E4}">
+                <adec:decorative xmlns:adec="http://schemas.microsoft.com/office/drawing/2017/decorative" val="1"/>
+              </a:ext>
+            </a:extLst>
+          </p:cNvPr>
+          <p:cNvSpPr>
+            <a:spLocks noGrp="1" noRot="1" noChangeAspect="1" noMove="1" noResize="1" noEditPoints="1" noAdjustHandles="1" noChangeArrowheads="1" noChangeShapeType="1" noTextEdit="1"/>
+          </p:cNvSpPr>
+          <p:nvPr>
+            <p:extLst>
+              <p:ext uri="{386F3935-93C4-4BCD-93E2-E3B085C9AB24}">
+                <p16:designElem xmlns:p16="http://schemas.microsoft.com/office/powerpoint/2015/main" val="1"/>
+              </p:ext>
+            </p:extLst>
+          </p:nvPr>
+        </p:nvSpPr>
+        <p:spPr>
+          <a:xfrm flipV="1">
+            <a:off x="0" y="0"/>
+            <a:ext cx="6356349" cy="6858000"/>
+          </a:xfrm>
+          <a:custGeom>
+            <a:avLst/>
+            <a:gdLst>
+              <a:gd name="connsiteX0" fmla="*/ 7539895 w 7539895"/>
+              <a:gd name="connsiteY0" fmla="*/ 6858000 h 6858000"/>
+              <a:gd name="connsiteX1" fmla="*/ 0 w 7539895"/>
+              <a:gd name="connsiteY1" fmla="*/ 6858000 h 6858000"/>
+              <a:gd name="connsiteX2" fmla="*/ 0 w 7539895"/>
+              <a:gd name="connsiteY2" fmla="*/ 0 h 6858000"/>
+              <a:gd name="connsiteX3" fmla="*/ 4363741 w 7539895"/>
+              <a:gd name="connsiteY3" fmla="*/ 0 h 6858000"/>
+            </a:gdLst>
+            <a:ahLst/>
+            <a:cxnLst>
+              <a:cxn ang="0">
+                <a:pos x="connsiteX0" y="connsiteY0"/>
+              </a:cxn>
+              <a:cxn ang="0">
+                <a:pos x="connsiteX1" y="connsiteY1"/>
+              </a:cxn>
+              <a:cxn ang="0">
+                <a:pos x="connsiteX2" y="connsiteY2"/>
+              </a:cxn>
+              <a:cxn ang="0">
+                <a:pos x="connsiteX3" y="connsiteY3"/>
+              </a:cxn>
+            </a:cxnLst>
+            <a:rect l="l" t="t" r="r" b="b"/>
+            <a:pathLst>
+              <a:path w="7539895" h="6858000">
+                <a:moveTo>
+                  <a:pt x="7539895" y="6858000"/>
+                </a:moveTo>
+                <a:lnTo>
+                  <a:pt x="0" y="6858000"/>
+                </a:lnTo>
+                <a:lnTo>
+                  <a:pt x="0" y="0"/>
+                </a:lnTo>
+                <a:lnTo>
+                  <a:pt x="4363741" y="0"/>
+                </a:lnTo>
+                <a:close/>
+              </a:path>
+            </a:pathLst>
+          </a:custGeom>
+          <a:solidFill>
+            <a:schemeClr val="bg1">
+              <a:lumMod val="85000"/>
+              <a:lumOff val="15000"/>
+              <a:alpha val="70000"/>
+            </a:schemeClr>
+          </a:solidFill>
+          <a:ln>
+            <a:noFill/>
+          </a:ln>
+        </p:spPr>
+        <p:style>
+          <a:lnRef idx="2">
+            <a:schemeClr val="accent1">
+              <a:shade val="50000"/>
+            </a:schemeClr>
+          </a:lnRef>
+          <a:fillRef idx="1">
+            <a:schemeClr val="accent1"/>
+          </a:fillRef>
+          <a:effectRef idx="0">
+            <a:schemeClr val="accent1"/>
+          </a:effectRef>
+          <a:fontRef idx="minor">
+            <a:schemeClr val="lt1"/>
+          </a:fontRef>
+        </p:style>
+        <p:txBody>
+          <a:bodyPr wrap="square" rtlCol="0" anchor="ctr">
+            <a:noAutofit/>
+          </a:bodyPr>
+          <a:lstStyle/>
+          <a:p>
+            <a:pPr algn="ctr"/>
+            <a:endParaRPr lang="en-US"/>
+          </a:p>
+        </p:txBody>
+      </p:sp>
+      <p:sp>
+        <p:nvSpPr>
+          <p:cNvPr id="41" name="Freeform: Shape 37">
+            <a:extLst>
+              <a:ext uri="{FF2B5EF4-FFF2-40B4-BE49-F238E27FC236}">
+                <a16:creationId xmlns:a16="http://schemas.microsoft.com/office/drawing/2014/main" id="{8B3AF0F1-707A-463E-B5EE-33C63A40CFC9}"/>
+              </a:ext>
+              <a:ext uri="{C183D7F6-B498-43B3-948B-1728B52AA6E4}">
+                <adec:decorative xmlns:adec="http://schemas.microsoft.com/office/drawing/2017/decorative" val="1"/>
+              </a:ext>
+            </a:extLst>
+          </p:cNvPr>
+          <p:cNvSpPr>
+            <a:spLocks noGrp="1" noRot="1" noChangeAspect="1" noMove="1" noResize="1" noEditPoints="1" noAdjustHandles="1" noChangeArrowheads="1" noChangeShapeType="1" noTextEdit="1"/>
+          </p:cNvSpPr>
+          <p:nvPr>
+            <p:extLst>
+              <p:ext uri="{386F3935-93C4-4BCD-93E2-E3B085C9AB24}">
+                <p16:designElem xmlns:p16="http://schemas.microsoft.com/office/powerpoint/2015/main" val="1"/>
+              </p:ext>
+            </p:extLst>
+          </p:nvPr>
+        </p:nvSpPr>
+        <p:spPr>
+          <a:xfrm flipV="1">
+            <a:off x="0" y="0"/>
+            <a:ext cx="5979591" cy="6858000"/>
+          </a:xfrm>
+          <a:custGeom>
+            <a:avLst/>
+            <a:gdLst>
+              <a:gd name="connsiteX0" fmla="*/ 7092985 w 7092985"/>
+              <a:gd name="connsiteY0" fmla="*/ 6858000 h 6858000"/>
+              <a:gd name="connsiteX1" fmla="*/ 0 w 7092985"/>
+              <a:gd name="connsiteY1" fmla="*/ 6858000 h 6858000"/>
+              <a:gd name="connsiteX2" fmla="*/ 0 w 7092985"/>
+              <a:gd name="connsiteY2" fmla="*/ 0 h 6858000"/>
+              <a:gd name="connsiteX3" fmla="*/ 3916831 w 7092985"/>
+              <a:gd name="connsiteY3" fmla="*/ 0 h 6858000"/>
+            </a:gdLst>
+            <a:ahLst/>
+            <a:cxnLst>
+              <a:cxn ang="0">
+                <a:pos x="connsiteX0" y="connsiteY0"/>
+              </a:cxn>
+              <a:cxn ang="0">
+                <a:pos x="connsiteX1" y="connsiteY1"/>
+              </a:cxn>
+              <a:cxn ang="0">
+                <a:pos x="connsiteX2" y="connsiteY2"/>
+              </a:cxn>
+              <a:cxn ang="0">
+                <a:pos x="connsiteX3" y="connsiteY3"/>
+              </a:cxn>
+            </a:cxnLst>
+            <a:rect l="l" t="t" r="r" b="b"/>
+            <a:pathLst>
+              <a:path w="7092985" h="6858000">
+                <a:moveTo>
+                  <a:pt x="7092985" y="6858000"/>
+                </a:moveTo>
+                <a:lnTo>
+                  <a:pt x="0" y="6858000"/>
+                </a:lnTo>
+                <a:lnTo>
+                  <a:pt x="0" y="0"/>
+                </a:lnTo>
+                <a:lnTo>
+                  <a:pt x="3916831" y="0"/>
+                </a:lnTo>
+                <a:close/>
+              </a:path>
+            </a:pathLst>
+          </a:custGeom>
+          <a:solidFill>
+            <a:schemeClr val="bg1">
+              <a:lumMod val="85000"/>
+              <a:lumOff val="15000"/>
+            </a:schemeClr>
+          </a:solidFill>
+          <a:ln>
+            <a:noFill/>
+          </a:ln>
+        </p:spPr>
+        <p:style>
+          <a:lnRef idx="2">
+            <a:schemeClr val="accent1">
+              <a:shade val="50000"/>
+            </a:schemeClr>
+          </a:lnRef>
+          <a:fillRef idx="1">
+            <a:schemeClr val="accent1"/>
+          </a:fillRef>
+          <a:effectRef idx="0">
+            <a:schemeClr val="accent1"/>
+          </a:effectRef>
+          <a:fontRef idx="minor">
+            <a:schemeClr val="lt1"/>
+          </a:fontRef>
+        </p:style>
+        <p:txBody>
+          <a:bodyPr wrap="square" rtlCol="0" anchor="ctr">
+            <a:noAutofit/>
+          </a:bodyPr>
+          <a:lstStyle/>
+          <a:p>
+            <a:pPr algn="ctr"/>
+            <a:endParaRPr lang="en-US"/>
+          </a:p>
+        </p:txBody>
+      </p:sp>
+      <p:sp>
+        <p:nvSpPr>
+          <p:cNvPr id="2" name="Title 1">
+            <a:extLst>
+              <a:ext uri="{FF2B5EF4-FFF2-40B4-BE49-F238E27FC236}">
+                <a16:creationId xmlns:a16="http://schemas.microsoft.com/office/drawing/2014/main" id="{BD197AB0-547F-40DD-A165-E78F774F989A}"/>
+              </a:ext>
+            </a:extLst>
+          </p:cNvPr>
+          <p:cNvSpPr>
+            <a:spLocks noGrp="1"/>
+          </p:cNvSpPr>
+          <p:nvPr>
+            <p:ph type="title"/>
+          </p:nvPr>
+        </p:nvSpPr>
+        <p:spPr>
+          <a:xfrm>
+            <a:off x="841248" y="704850"/>
+            <a:ext cx="3785616" cy="2978150"/>
+          </a:xfrm>
+        </p:spPr>
+        <p:txBody>
+          <a:bodyPr anchor="b">
+            <a:normAutofit/>
+          </a:bodyPr>
+          <a:lstStyle/>
+          <a:p>
+            <a:r>
+              <a:rPr lang="fr-FR"/>
+              <a:t>Intro</a:t>
+            </a:r>
+            <a:endParaRPr lang="en-US"/>
+          </a:p>
+        </p:txBody>
+      </p:sp>
+      <p:sp>
+        <p:nvSpPr>
+          <p:cNvPr id="5" name="Content Placeholder 4">
+            <a:extLst>
+              <a:ext uri="{FF2B5EF4-FFF2-40B4-BE49-F238E27FC236}">
+                <a16:creationId xmlns:a16="http://schemas.microsoft.com/office/drawing/2014/main" id="{43F84962-FABF-47F9-AC5F-80DFEC411D38}"/>
+              </a:ext>
+            </a:extLst>
+          </p:cNvPr>
+          <p:cNvSpPr>
+            <a:spLocks noGrp="1"/>
+          </p:cNvSpPr>
+          <p:nvPr>
+            <p:ph idx="1"/>
+          </p:nvPr>
+        </p:nvSpPr>
+        <p:spPr>
+          <a:xfrm>
+            <a:off x="6038850" y="704850"/>
+            <a:ext cx="5314950" cy="5251450"/>
+          </a:xfrm>
+        </p:spPr>
+        <p:txBody>
+          <a:bodyPr anchor="ctr">
+            <a:normAutofit/>
+          </a:bodyPr>
+          <a:lstStyle/>
+          <a:p>
+            <a:r>
+              <a:rPr lang="fr-FR" sz="2100">
+                <a:solidFill>
+                  <a:schemeClr val="bg1"/>
+                </a:solidFill>
+              </a:rPr>
+              <a:t>E.g. </a:t>
+            </a:r>
+            <a:r>
+              <a:rPr lang="en-US" sz="2100">
+                <a:solidFill>
+                  <a:schemeClr val="bg1"/>
+                </a:solidFill>
+                <a:effectLst/>
+                <a:latin typeface="Calibri" panose="020F0502020204030204" pitchFamily="34" charset="0"/>
+                <a:ea typeface="Calibri" panose="020F0502020204030204" pitchFamily="34" charset="0"/>
+              </a:rPr>
+              <a:t>ARISTA-SW-AGILE2-TC1-B13_B14-2-20200927.cfg</a:t>
+            </a:r>
+          </a:p>
+          <a:p>
+            <a:endParaRPr lang="en-US" sz="2100">
+              <a:solidFill>
+                <a:schemeClr val="bg1"/>
+              </a:solidFill>
+              <a:latin typeface="Calibri" panose="020F0502020204030204" pitchFamily="34" charset="0"/>
+            </a:endParaRPr>
+          </a:p>
+          <a:p>
+            <a:pPr lvl="1"/>
+            <a:r>
+              <a:rPr lang="en-US" sz="2100">
+                <a:solidFill>
+                  <a:schemeClr val="bg1"/>
+                </a:solidFill>
                 <a:highlight>
                   <a:srgbClr val="FFFF00"/>
                 </a:highlight>
@@ -3710,19 +5362,29 @@
           </a:p>
           <a:p>
             <a:pPr lvl="1"/>
-            <a:endParaRPr lang="en-US" dirty="0">
+            <a:endParaRPr lang="en-US" sz="2100">
+              <a:solidFill>
+                <a:schemeClr val="bg1"/>
+              </a:solidFill>
               <a:latin typeface="Calibri" panose="020F0502020204030204" pitchFamily="34" charset="0"/>
             </a:endParaRPr>
           </a:p>
           <a:p>
             <a:pPr lvl="1"/>
             <a:r>
-              <a:rPr lang="en-US" dirty="0">
+              <a:rPr lang="en-US" sz="2100">
+                <a:solidFill>
+                  <a:schemeClr val="bg1"/>
+                </a:solidFill>
                 <a:latin typeface="Calibri" panose="020F0502020204030204" pitchFamily="34" charset="0"/>
               </a:rPr>
               <a:t>If not well done he/she will now have to investigate why the backup has not been done regularly.</a:t>
             </a:r>
-            <a:endParaRPr lang="en-US" dirty="0"/>
+            <a:endParaRPr lang="en-US" sz="2100">
+              <a:solidFill>
+                <a:schemeClr val="bg1"/>
+              </a:solidFill>
+            </a:endParaRPr>
           </a:p>
         </p:txBody>
       </p:sp>
@@ -3730,6 +5392,2552 @@
     <p:extLst>
       <p:ext uri="{BB962C8B-B14F-4D97-AF65-F5344CB8AC3E}">
         <p14:creationId xmlns:p14="http://schemas.microsoft.com/office/powerpoint/2010/main" val="2544867511"/>
+      </p:ext>
+    </p:extLst>
+  </p:cSld>
+  <p:clrMapOvr>
+    <a:overrideClrMapping bg1="dk1" tx1="lt1" bg2="dk2" tx2="lt2" accent1="accent1" accent2="accent2" accent3="accent3" accent4="accent4" accent5="accent5" accent6="accent6" hlink="hlink" folHlink="folHlink"/>
+  </p:clrMapOvr>
+</p:sld>
+</file>
+
+<file path=ppt/slides/slide4.xml><?xml version="1.0" encoding="utf-8"?>
+<p:sld xmlns:a="http://schemas.openxmlformats.org/drawingml/2006/main" xmlns:r="http://schemas.openxmlformats.org/officeDocument/2006/relationships" xmlns:p="http://schemas.openxmlformats.org/presentationml/2006/main">
+  <p:cSld>
+    <p:bg>
+      <p:bgPr>
+        <a:solidFill>
+          <a:schemeClr val="bg1"/>
+        </a:solidFill>
+        <a:effectLst/>
+      </p:bgPr>
+    </p:bg>
+    <p:spTree>
+      <p:nvGrpSpPr>
+        <p:cNvPr id="1" name=""/>
+        <p:cNvGrpSpPr/>
+        <p:nvPr/>
+      </p:nvGrpSpPr>
+      <p:grpSpPr>
+        <a:xfrm>
+          <a:off x="0" y="0"/>
+          <a:ext cx="0" cy="0"/>
+          <a:chOff x="0" y="0"/>
+          <a:chExt cx="0" cy="0"/>
+        </a:xfrm>
+      </p:grpSpPr>
+      <p:sp>
+        <p:nvSpPr>
+          <p:cNvPr id="24" name="Rectangle 23">
+            <a:extLst>
+              <a:ext uri="{FF2B5EF4-FFF2-40B4-BE49-F238E27FC236}">
+                <a16:creationId xmlns:a16="http://schemas.microsoft.com/office/drawing/2014/main" id="{7264F718-7FAC-4056-9FA9-A603EC682FE7}"/>
+              </a:ext>
+              <a:ext uri="{C183D7F6-B498-43B3-948B-1728B52AA6E4}">
+                <adec:decorative xmlns:adec="http://schemas.microsoft.com/office/drawing/2017/decorative" val="1"/>
+              </a:ext>
+            </a:extLst>
+          </p:cNvPr>
+          <p:cNvSpPr>
+            <a:spLocks noGrp="1" noRot="1" noChangeAspect="1" noMove="1" noResize="1" noEditPoints="1" noAdjustHandles="1" noChangeArrowheads="1" noChangeShapeType="1" noTextEdit="1"/>
+          </p:cNvSpPr>
+          <p:nvPr>
+            <p:extLst>
+              <p:ext uri="{386F3935-93C4-4BCD-93E2-E3B085C9AB24}">
+                <p16:designElem xmlns:p16="http://schemas.microsoft.com/office/powerpoint/2015/main" val="1"/>
+              </p:ext>
+            </p:extLst>
+          </p:nvPr>
+        </p:nvSpPr>
+        <p:spPr>
+          <a:xfrm>
+            <a:off x="1525" y="0"/>
+            <a:ext cx="12190475" cy="6858000"/>
+          </a:xfrm>
+          <a:prstGeom prst="rect">
+            <a:avLst/>
+          </a:prstGeom>
+          <a:solidFill>
+            <a:schemeClr val="tx1"/>
+          </a:solidFill>
+          <a:ln>
+            <a:noFill/>
+          </a:ln>
+        </p:spPr>
+        <p:style>
+          <a:lnRef idx="2">
+            <a:schemeClr val="accent1">
+              <a:shade val="50000"/>
+            </a:schemeClr>
+          </a:lnRef>
+          <a:fillRef idx="1">
+            <a:schemeClr val="accent1"/>
+          </a:fillRef>
+          <a:effectRef idx="0">
+            <a:schemeClr val="accent1"/>
+          </a:effectRef>
+          <a:fontRef idx="minor">
+            <a:schemeClr val="lt1"/>
+          </a:fontRef>
+        </p:style>
+        <p:txBody>
+          <a:bodyPr rtlCol="0" anchor="ctr"/>
+          <a:lstStyle/>
+          <a:p>
+            <a:pPr algn="ctr"/>
+            <a:endParaRPr lang="en-US"/>
+          </a:p>
+        </p:txBody>
+      </p:sp>
+      <p:sp>
+        <p:nvSpPr>
+          <p:cNvPr id="26" name="Freeform: Shape 25">
+            <a:extLst>
+              <a:ext uri="{FF2B5EF4-FFF2-40B4-BE49-F238E27FC236}">
+                <a16:creationId xmlns:a16="http://schemas.microsoft.com/office/drawing/2014/main" id="{F74639F7-E3C7-4165-A83E-6386A86BA1DA}"/>
+              </a:ext>
+              <a:ext uri="{C183D7F6-B498-43B3-948B-1728B52AA6E4}">
+                <adec:decorative xmlns:adec="http://schemas.microsoft.com/office/drawing/2017/decorative" val="1"/>
+              </a:ext>
+            </a:extLst>
+          </p:cNvPr>
+          <p:cNvSpPr>
+            <a:spLocks noGrp="1" noRot="1" noChangeAspect="1" noMove="1" noResize="1" noEditPoints="1" noAdjustHandles="1" noChangeArrowheads="1" noChangeShapeType="1" noTextEdit="1"/>
+          </p:cNvSpPr>
+          <p:nvPr>
+            <p:extLst>
+              <p:ext uri="{386F3935-93C4-4BCD-93E2-E3B085C9AB24}">
+                <p16:designElem xmlns:p16="http://schemas.microsoft.com/office/powerpoint/2015/main" val="1"/>
+              </p:ext>
+            </p:extLst>
+          </p:nvPr>
+        </p:nvSpPr>
+        <p:spPr>
+          <a:xfrm flipV="1">
+            <a:off x="0" y="0"/>
+            <a:ext cx="6356349" cy="6858000"/>
+          </a:xfrm>
+          <a:custGeom>
+            <a:avLst/>
+            <a:gdLst>
+              <a:gd name="connsiteX0" fmla="*/ 7539895 w 7539895"/>
+              <a:gd name="connsiteY0" fmla="*/ 6858000 h 6858000"/>
+              <a:gd name="connsiteX1" fmla="*/ 0 w 7539895"/>
+              <a:gd name="connsiteY1" fmla="*/ 6858000 h 6858000"/>
+              <a:gd name="connsiteX2" fmla="*/ 0 w 7539895"/>
+              <a:gd name="connsiteY2" fmla="*/ 0 h 6858000"/>
+              <a:gd name="connsiteX3" fmla="*/ 4363741 w 7539895"/>
+              <a:gd name="connsiteY3" fmla="*/ 0 h 6858000"/>
+            </a:gdLst>
+            <a:ahLst/>
+            <a:cxnLst>
+              <a:cxn ang="0">
+                <a:pos x="connsiteX0" y="connsiteY0"/>
+              </a:cxn>
+              <a:cxn ang="0">
+                <a:pos x="connsiteX1" y="connsiteY1"/>
+              </a:cxn>
+              <a:cxn ang="0">
+                <a:pos x="connsiteX2" y="connsiteY2"/>
+              </a:cxn>
+              <a:cxn ang="0">
+                <a:pos x="connsiteX3" y="connsiteY3"/>
+              </a:cxn>
+            </a:cxnLst>
+            <a:rect l="l" t="t" r="r" b="b"/>
+            <a:pathLst>
+              <a:path w="7539895" h="6858000">
+                <a:moveTo>
+                  <a:pt x="7539895" y="6858000"/>
+                </a:moveTo>
+                <a:lnTo>
+                  <a:pt x="0" y="6858000"/>
+                </a:lnTo>
+                <a:lnTo>
+                  <a:pt x="0" y="0"/>
+                </a:lnTo>
+                <a:lnTo>
+                  <a:pt x="4363741" y="0"/>
+                </a:lnTo>
+                <a:close/>
+              </a:path>
+            </a:pathLst>
+          </a:custGeom>
+          <a:solidFill>
+            <a:schemeClr val="bg1">
+              <a:lumMod val="85000"/>
+              <a:lumOff val="15000"/>
+              <a:alpha val="70000"/>
+            </a:schemeClr>
+          </a:solidFill>
+          <a:ln>
+            <a:noFill/>
+          </a:ln>
+        </p:spPr>
+        <p:style>
+          <a:lnRef idx="2">
+            <a:schemeClr val="accent1">
+              <a:shade val="50000"/>
+            </a:schemeClr>
+          </a:lnRef>
+          <a:fillRef idx="1">
+            <a:schemeClr val="accent1"/>
+          </a:fillRef>
+          <a:effectRef idx="0">
+            <a:schemeClr val="accent1"/>
+          </a:effectRef>
+          <a:fontRef idx="minor">
+            <a:schemeClr val="lt1"/>
+          </a:fontRef>
+        </p:style>
+        <p:txBody>
+          <a:bodyPr wrap="square" rtlCol="0" anchor="ctr">
+            <a:noAutofit/>
+          </a:bodyPr>
+          <a:lstStyle/>
+          <a:p>
+            <a:pPr algn="ctr"/>
+            <a:endParaRPr lang="en-US"/>
+          </a:p>
+        </p:txBody>
+      </p:sp>
+      <p:sp>
+        <p:nvSpPr>
+          <p:cNvPr id="28" name="Freeform: Shape 27">
+            <a:extLst>
+              <a:ext uri="{FF2B5EF4-FFF2-40B4-BE49-F238E27FC236}">
+                <a16:creationId xmlns:a16="http://schemas.microsoft.com/office/drawing/2014/main" id="{8B3AF0F1-707A-463E-B5EE-33C63A40CFC9}"/>
+              </a:ext>
+              <a:ext uri="{C183D7F6-B498-43B3-948B-1728B52AA6E4}">
+                <adec:decorative xmlns:adec="http://schemas.microsoft.com/office/drawing/2017/decorative" val="1"/>
+              </a:ext>
+            </a:extLst>
+          </p:cNvPr>
+          <p:cNvSpPr>
+            <a:spLocks noGrp="1" noRot="1" noChangeAspect="1" noMove="1" noResize="1" noEditPoints="1" noAdjustHandles="1" noChangeArrowheads="1" noChangeShapeType="1" noTextEdit="1"/>
+          </p:cNvSpPr>
+          <p:nvPr>
+            <p:extLst>
+              <p:ext uri="{386F3935-93C4-4BCD-93E2-E3B085C9AB24}">
+                <p16:designElem xmlns:p16="http://schemas.microsoft.com/office/powerpoint/2015/main" val="1"/>
+              </p:ext>
+            </p:extLst>
+          </p:nvPr>
+        </p:nvSpPr>
+        <p:spPr>
+          <a:xfrm flipV="1">
+            <a:off x="0" y="0"/>
+            <a:ext cx="5979591" cy="6858000"/>
+          </a:xfrm>
+          <a:custGeom>
+            <a:avLst/>
+            <a:gdLst>
+              <a:gd name="connsiteX0" fmla="*/ 7092985 w 7092985"/>
+              <a:gd name="connsiteY0" fmla="*/ 6858000 h 6858000"/>
+              <a:gd name="connsiteX1" fmla="*/ 0 w 7092985"/>
+              <a:gd name="connsiteY1" fmla="*/ 6858000 h 6858000"/>
+              <a:gd name="connsiteX2" fmla="*/ 0 w 7092985"/>
+              <a:gd name="connsiteY2" fmla="*/ 0 h 6858000"/>
+              <a:gd name="connsiteX3" fmla="*/ 3916831 w 7092985"/>
+              <a:gd name="connsiteY3" fmla="*/ 0 h 6858000"/>
+            </a:gdLst>
+            <a:ahLst/>
+            <a:cxnLst>
+              <a:cxn ang="0">
+                <a:pos x="connsiteX0" y="connsiteY0"/>
+              </a:cxn>
+              <a:cxn ang="0">
+                <a:pos x="connsiteX1" y="connsiteY1"/>
+              </a:cxn>
+              <a:cxn ang="0">
+                <a:pos x="connsiteX2" y="connsiteY2"/>
+              </a:cxn>
+              <a:cxn ang="0">
+                <a:pos x="connsiteX3" y="connsiteY3"/>
+              </a:cxn>
+            </a:cxnLst>
+            <a:rect l="l" t="t" r="r" b="b"/>
+            <a:pathLst>
+              <a:path w="7092985" h="6858000">
+                <a:moveTo>
+                  <a:pt x="7092985" y="6858000"/>
+                </a:moveTo>
+                <a:lnTo>
+                  <a:pt x="0" y="6858000"/>
+                </a:lnTo>
+                <a:lnTo>
+                  <a:pt x="0" y="0"/>
+                </a:lnTo>
+                <a:lnTo>
+                  <a:pt x="3916831" y="0"/>
+                </a:lnTo>
+                <a:close/>
+              </a:path>
+            </a:pathLst>
+          </a:custGeom>
+          <a:solidFill>
+            <a:schemeClr val="bg1">
+              <a:lumMod val="85000"/>
+              <a:lumOff val="15000"/>
+            </a:schemeClr>
+          </a:solidFill>
+          <a:ln>
+            <a:noFill/>
+          </a:ln>
+        </p:spPr>
+        <p:style>
+          <a:lnRef idx="2">
+            <a:schemeClr val="accent1">
+              <a:shade val="50000"/>
+            </a:schemeClr>
+          </a:lnRef>
+          <a:fillRef idx="1">
+            <a:schemeClr val="accent1"/>
+          </a:fillRef>
+          <a:effectRef idx="0">
+            <a:schemeClr val="accent1"/>
+          </a:effectRef>
+          <a:fontRef idx="minor">
+            <a:schemeClr val="lt1"/>
+          </a:fontRef>
+        </p:style>
+        <p:txBody>
+          <a:bodyPr wrap="square" rtlCol="0" anchor="ctr">
+            <a:noAutofit/>
+          </a:bodyPr>
+          <a:lstStyle/>
+          <a:p>
+            <a:pPr algn="ctr"/>
+            <a:endParaRPr lang="en-US"/>
+          </a:p>
+        </p:txBody>
+      </p:sp>
+      <p:sp>
+        <p:nvSpPr>
+          <p:cNvPr id="2" name="Title 1">
+            <a:extLst>
+              <a:ext uri="{FF2B5EF4-FFF2-40B4-BE49-F238E27FC236}">
+                <a16:creationId xmlns:a16="http://schemas.microsoft.com/office/drawing/2014/main" id="{BD197AB0-547F-40DD-A165-E78F774F989A}"/>
+              </a:ext>
+            </a:extLst>
+          </p:cNvPr>
+          <p:cNvSpPr>
+            <a:spLocks noGrp="1"/>
+          </p:cNvSpPr>
+          <p:nvPr>
+            <p:ph type="title"/>
+          </p:nvPr>
+        </p:nvSpPr>
+        <p:spPr>
+          <a:xfrm>
+            <a:off x="841248" y="704850"/>
+            <a:ext cx="3785616" cy="2978150"/>
+          </a:xfrm>
+        </p:spPr>
+        <p:txBody>
+          <a:bodyPr vert="horz" lIns="91440" tIns="45720" rIns="91440" bIns="45720" rtlCol="0" anchor="b">
+            <a:normAutofit/>
+          </a:bodyPr>
+          <a:lstStyle/>
+          <a:p>
+            <a:r>
+              <a:rPr lang="en-US" kern="1200">
+                <a:latin typeface="+mj-lt"/>
+                <a:ea typeface="+mj-ea"/>
+                <a:cs typeface="+mj-cs"/>
+              </a:rPr>
+              <a:t>Intro</a:t>
+            </a:r>
+          </a:p>
+        </p:txBody>
+      </p:sp>
+      <p:sp>
+        <p:nvSpPr>
+          <p:cNvPr id="5" name="Content Placeholder 4">
+            <a:extLst>
+              <a:ext uri="{FF2B5EF4-FFF2-40B4-BE49-F238E27FC236}">
+                <a16:creationId xmlns:a16="http://schemas.microsoft.com/office/drawing/2014/main" id="{43F84962-FABF-47F9-AC5F-80DFEC411D38}"/>
+              </a:ext>
+            </a:extLst>
+          </p:cNvPr>
+          <p:cNvSpPr>
+            <a:spLocks noGrp="1"/>
+          </p:cNvSpPr>
+          <p:nvPr>
+            <p:ph idx="1"/>
+          </p:nvPr>
+        </p:nvSpPr>
+        <p:spPr>
+          <a:xfrm>
+            <a:off x="6038850" y="704850"/>
+            <a:ext cx="5314950" cy="5251450"/>
+          </a:xfrm>
+        </p:spPr>
+        <p:txBody>
+          <a:bodyPr vert="horz" lIns="91440" tIns="45720" rIns="91440" bIns="45720" rtlCol="0" anchor="ctr">
+            <a:normAutofit/>
+          </a:bodyPr>
+          <a:lstStyle/>
+          <a:p>
+            <a:r>
+              <a:rPr lang="en-US" sz="2100" b="1">
+                <a:solidFill>
+                  <a:schemeClr val="bg1"/>
+                </a:solidFill>
+                <a:effectLst/>
+              </a:rPr>
+              <a:t>Backup des SWITCH</a:t>
+            </a:r>
+          </a:p>
+          <a:p>
+            <a:pPr lvl="1"/>
+            <a:r>
+              <a:rPr lang="en-US" sz="2100">
+                <a:solidFill>
+                  <a:schemeClr val="bg1"/>
+                </a:solidFill>
+              </a:rPr>
+              <a:t>96</a:t>
+            </a:r>
+          </a:p>
+          <a:p>
+            <a:r>
+              <a:rPr lang="en-US" sz="2100" b="1">
+                <a:solidFill>
+                  <a:schemeClr val="bg1"/>
+                </a:solidFill>
+                <a:effectLst/>
+              </a:rPr>
+              <a:t>Backup CKP</a:t>
+            </a:r>
+          </a:p>
+          <a:p>
+            <a:pPr lvl="1"/>
+            <a:r>
+              <a:rPr lang="en-US" sz="2100">
+                <a:solidFill>
+                  <a:schemeClr val="bg1"/>
+                </a:solidFill>
+              </a:rPr>
+              <a:t>22</a:t>
+            </a:r>
+          </a:p>
+          <a:p>
+            <a:r>
+              <a:rPr lang="en-US" sz="2100" b="1">
+                <a:solidFill>
+                  <a:schemeClr val="bg1"/>
+                </a:solidFill>
+                <a:effectLst/>
+              </a:rPr>
+              <a:t>Backup BIGIP</a:t>
+            </a:r>
+          </a:p>
+          <a:p>
+            <a:pPr lvl="1"/>
+            <a:r>
+              <a:rPr lang="en-US" sz="2100">
+                <a:solidFill>
+                  <a:schemeClr val="bg1"/>
+                </a:solidFill>
+              </a:rPr>
+              <a:t>37</a:t>
+            </a:r>
+          </a:p>
+          <a:p>
+            <a:r>
+              <a:rPr kumimoji="0" lang="en-US" sz="2100" b="1" i="0" u="none" strike="noStrike" kern="1200" cap="none" spc="0" normalizeH="0" baseline="0" noProof="0">
+                <a:ln>
+                  <a:noFill/>
+                </a:ln>
+                <a:solidFill>
+                  <a:schemeClr val="bg1"/>
+                </a:solidFill>
+                <a:effectLst/>
+                <a:uLnTx/>
+                <a:uFillTx/>
+                <a:latin typeface="Calibri" panose="020F0502020204030204"/>
+                <a:ea typeface="+mn-ea"/>
+                <a:cs typeface="+mn-cs"/>
+              </a:rPr>
+              <a:t>Total</a:t>
+            </a:r>
+          </a:p>
+          <a:p>
+            <a:pPr marL="457200" marR="0" lvl="1" indent="0" defTabSz="914400" rtl="0" eaLnBrk="1" fontAlgn="auto" latinLnBrk="0" hangingPunct="1">
+              <a:spcBef>
+                <a:spcPts val="0"/>
+              </a:spcBef>
+              <a:spcAft>
+                <a:spcPts val="0"/>
+              </a:spcAft>
+              <a:buClrTx/>
+              <a:buSzTx/>
+              <a:buFontTx/>
+              <a:buNone/>
+              <a:tabLst/>
+              <a:defRPr/>
+            </a:pPr>
+            <a:r>
+              <a:rPr kumimoji="0" lang="en-US" sz="2100" b="0" i="0" u="none" strike="noStrike" kern="1200" cap="none" spc="0" normalizeH="0" baseline="0" noProof="0">
+                <a:ln>
+                  <a:noFill/>
+                </a:ln>
+                <a:solidFill>
+                  <a:schemeClr val="bg1"/>
+                </a:solidFill>
+                <a:effectLst/>
+                <a:uLnTx/>
+                <a:uFillTx/>
+                <a:latin typeface="Calibri" panose="020F0502020204030204"/>
+                <a:ea typeface="+mn-ea"/>
+                <a:cs typeface="+mn-cs"/>
+              </a:rPr>
+              <a:t>96 + 22 + 37 = ???</a:t>
+            </a:r>
+          </a:p>
+          <a:p>
+            <a:endParaRPr lang="en-US" sz="2100">
+              <a:solidFill>
+                <a:schemeClr val="bg1"/>
+              </a:solidFill>
+            </a:endParaRPr>
+          </a:p>
+        </p:txBody>
+      </p:sp>
+      <p:sp>
+        <p:nvSpPr>
+          <p:cNvPr id="6" name="Content Placeholder 4">
+            <a:extLst>
+              <a:ext uri="{FF2B5EF4-FFF2-40B4-BE49-F238E27FC236}">
+                <a16:creationId xmlns:a16="http://schemas.microsoft.com/office/drawing/2014/main" id="{27C239A3-1032-4A56-917F-0842E419D2C8}"/>
+              </a:ext>
+            </a:extLst>
+          </p:cNvPr>
+          <p:cNvSpPr txBox="1">
+            <a:spLocks/>
+          </p:cNvSpPr>
+          <p:nvPr/>
+        </p:nvSpPr>
+        <p:spPr>
+          <a:xfrm>
+            <a:off x="8451604" y="1412489"/>
+            <a:ext cx="2926080" cy="4363844"/>
+          </a:xfrm>
+          <a:prstGeom prst="rect">
+            <a:avLst/>
+          </a:prstGeom>
+        </p:spPr>
+        <p:txBody>
+          <a:bodyPr vert="horz" lIns="91440" tIns="45720" rIns="91440" bIns="45720" rtlCol="0">
+            <a:normAutofit/>
+          </a:bodyPr>
+          <a:lstStyle>
+            <a:lvl1pPr marL="228600" indent="-228600" algn="l" defTabSz="914400" rtl="0" eaLnBrk="1" latinLnBrk="0" hangingPunct="1">
+              <a:lnSpc>
+                <a:spcPct val="90000"/>
+              </a:lnSpc>
+              <a:spcBef>
+                <a:spcPts val="1000"/>
+              </a:spcBef>
+              <a:buFont typeface="Arial" panose="020B0604020202020204" pitchFamily="34" charset="0"/>
+              <a:buChar char="•"/>
+              <a:defRPr sz="2800" kern="1200">
+                <a:solidFill>
+                  <a:schemeClr val="tx1"/>
+                </a:solidFill>
+                <a:latin typeface="+mn-lt"/>
+                <a:ea typeface="+mn-ea"/>
+                <a:cs typeface="+mn-cs"/>
+              </a:defRPr>
+            </a:lvl1pPr>
+            <a:lvl2pPr marL="685800" indent="-228600" algn="l" defTabSz="914400" rtl="0" eaLnBrk="1" latinLnBrk="0" hangingPunct="1">
+              <a:lnSpc>
+                <a:spcPct val="90000"/>
+              </a:lnSpc>
+              <a:spcBef>
+                <a:spcPts val="500"/>
+              </a:spcBef>
+              <a:buFont typeface="Arial" panose="020B0604020202020204" pitchFamily="34" charset="0"/>
+              <a:buChar char="•"/>
+              <a:defRPr sz="2400" kern="1200">
+                <a:solidFill>
+                  <a:schemeClr val="tx1"/>
+                </a:solidFill>
+                <a:latin typeface="+mn-lt"/>
+                <a:ea typeface="+mn-ea"/>
+                <a:cs typeface="+mn-cs"/>
+              </a:defRPr>
+            </a:lvl2pPr>
+            <a:lvl3pPr marL="1143000" indent="-228600" algn="l" defTabSz="914400" rtl="0" eaLnBrk="1" latinLnBrk="0" hangingPunct="1">
+              <a:lnSpc>
+                <a:spcPct val="90000"/>
+              </a:lnSpc>
+              <a:spcBef>
+                <a:spcPts val="500"/>
+              </a:spcBef>
+              <a:buFont typeface="Arial" panose="020B0604020202020204" pitchFamily="34" charset="0"/>
+              <a:buChar char="•"/>
+              <a:defRPr sz="2000" kern="1200">
+                <a:solidFill>
+                  <a:schemeClr val="tx1"/>
+                </a:solidFill>
+                <a:latin typeface="+mn-lt"/>
+                <a:ea typeface="+mn-ea"/>
+                <a:cs typeface="+mn-cs"/>
+              </a:defRPr>
+            </a:lvl3pPr>
+            <a:lvl4pPr marL="1600200" indent="-228600" algn="l" defTabSz="914400" rtl="0" eaLnBrk="1" latinLnBrk="0" hangingPunct="1">
+              <a:lnSpc>
+                <a:spcPct val="90000"/>
+              </a:lnSpc>
+              <a:spcBef>
+                <a:spcPts val="500"/>
+              </a:spcBef>
+              <a:buFont typeface="Arial" panose="020B0604020202020204" pitchFamily="34" charset="0"/>
+              <a:buChar char="•"/>
+              <a:defRPr sz="1800" kern="1200">
+                <a:solidFill>
+                  <a:schemeClr val="tx1"/>
+                </a:solidFill>
+                <a:latin typeface="+mn-lt"/>
+                <a:ea typeface="+mn-ea"/>
+                <a:cs typeface="+mn-cs"/>
+              </a:defRPr>
+            </a:lvl4pPr>
+            <a:lvl5pPr marL="2057400" indent="-228600" algn="l" defTabSz="914400" rtl="0" eaLnBrk="1" latinLnBrk="0" hangingPunct="1">
+              <a:lnSpc>
+                <a:spcPct val="90000"/>
+              </a:lnSpc>
+              <a:spcBef>
+                <a:spcPts val="500"/>
+              </a:spcBef>
+              <a:buFont typeface="Arial" panose="020B0604020202020204" pitchFamily="34" charset="0"/>
+              <a:buChar char="•"/>
+              <a:defRPr sz="1800" kern="1200">
+                <a:solidFill>
+                  <a:schemeClr val="tx1"/>
+                </a:solidFill>
+                <a:latin typeface="+mn-lt"/>
+                <a:ea typeface="+mn-ea"/>
+                <a:cs typeface="+mn-cs"/>
+              </a:defRPr>
+            </a:lvl5pPr>
+            <a:lvl6pPr marL="2514600" indent="-228600" algn="l" defTabSz="914400" rtl="0" eaLnBrk="1" latinLnBrk="0" hangingPunct="1">
+              <a:lnSpc>
+                <a:spcPct val="90000"/>
+              </a:lnSpc>
+              <a:spcBef>
+                <a:spcPts val="500"/>
+              </a:spcBef>
+              <a:buFont typeface="Arial" panose="020B0604020202020204" pitchFamily="34" charset="0"/>
+              <a:buChar char="•"/>
+              <a:defRPr sz="1800" kern="1200">
+                <a:solidFill>
+                  <a:schemeClr val="tx1"/>
+                </a:solidFill>
+                <a:latin typeface="+mn-lt"/>
+                <a:ea typeface="+mn-ea"/>
+                <a:cs typeface="+mn-cs"/>
+              </a:defRPr>
+            </a:lvl6pPr>
+            <a:lvl7pPr marL="2971800" indent="-228600" algn="l" defTabSz="914400" rtl="0" eaLnBrk="1" latinLnBrk="0" hangingPunct="1">
+              <a:lnSpc>
+                <a:spcPct val="90000"/>
+              </a:lnSpc>
+              <a:spcBef>
+                <a:spcPts val="500"/>
+              </a:spcBef>
+              <a:buFont typeface="Arial" panose="020B0604020202020204" pitchFamily="34" charset="0"/>
+              <a:buChar char="•"/>
+              <a:defRPr sz="1800" kern="1200">
+                <a:solidFill>
+                  <a:schemeClr val="tx1"/>
+                </a:solidFill>
+                <a:latin typeface="+mn-lt"/>
+                <a:ea typeface="+mn-ea"/>
+                <a:cs typeface="+mn-cs"/>
+              </a:defRPr>
+            </a:lvl7pPr>
+            <a:lvl8pPr marL="3429000" indent="-228600" algn="l" defTabSz="914400" rtl="0" eaLnBrk="1" latinLnBrk="0" hangingPunct="1">
+              <a:lnSpc>
+                <a:spcPct val="90000"/>
+              </a:lnSpc>
+              <a:spcBef>
+                <a:spcPts val="500"/>
+              </a:spcBef>
+              <a:buFont typeface="Arial" panose="020B0604020202020204" pitchFamily="34" charset="0"/>
+              <a:buChar char="•"/>
+              <a:defRPr sz="1800" kern="1200">
+                <a:solidFill>
+                  <a:schemeClr val="tx1"/>
+                </a:solidFill>
+                <a:latin typeface="+mn-lt"/>
+                <a:ea typeface="+mn-ea"/>
+                <a:cs typeface="+mn-cs"/>
+              </a:defRPr>
+            </a:lvl8pPr>
+            <a:lvl9pPr marL="3886200" indent="-228600" algn="l" defTabSz="914400" rtl="0" eaLnBrk="1" latinLnBrk="0" hangingPunct="1">
+              <a:lnSpc>
+                <a:spcPct val="90000"/>
+              </a:lnSpc>
+              <a:spcBef>
+                <a:spcPts val="500"/>
+              </a:spcBef>
+              <a:buFont typeface="Arial" panose="020B0604020202020204" pitchFamily="34" charset="0"/>
+              <a:buChar char="•"/>
+              <a:defRPr sz="1800" kern="1200">
+                <a:solidFill>
+                  <a:schemeClr val="tx1"/>
+                </a:solidFill>
+                <a:latin typeface="+mn-lt"/>
+                <a:ea typeface="+mn-ea"/>
+                <a:cs typeface="+mn-cs"/>
+              </a:defRPr>
+            </a:lvl9pPr>
+          </a:lstStyle>
+          <a:p>
+            <a:endParaRPr lang="en-US" sz="2000" dirty="0"/>
+          </a:p>
+        </p:txBody>
+      </p:sp>
+    </p:spTree>
+    <p:extLst>
+      <p:ext uri="{BB962C8B-B14F-4D97-AF65-F5344CB8AC3E}">
+        <p14:creationId xmlns:p14="http://schemas.microsoft.com/office/powerpoint/2010/main" val="2036961045"/>
+      </p:ext>
+    </p:extLst>
+  </p:cSld>
+  <p:clrMapOvr>
+    <a:overrideClrMapping bg1="dk1" tx1="lt1" bg2="dk2" tx2="lt2" accent1="accent1" accent2="accent2" accent3="accent3" accent4="accent4" accent5="accent5" accent6="accent6" hlink="hlink" folHlink="folHlink"/>
+  </p:clrMapOvr>
+</p:sld>
+</file>
+
+<file path=ppt/slides/slide5.xml><?xml version="1.0" encoding="utf-8"?>
+<p:sld xmlns:a="http://schemas.openxmlformats.org/drawingml/2006/main" xmlns:r="http://schemas.openxmlformats.org/officeDocument/2006/relationships" xmlns:p="http://schemas.openxmlformats.org/presentationml/2006/main">
+  <p:cSld>
+    <p:bg>
+      <p:bgPr>
+        <a:solidFill>
+          <a:schemeClr val="bg1"/>
+        </a:solidFill>
+        <a:effectLst/>
+      </p:bgPr>
+    </p:bg>
+    <p:spTree>
+      <p:nvGrpSpPr>
+        <p:cNvPr id="1" name=""/>
+        <p:cNvGrpSpPr/>
+        <p:nvPr/>
+      </p:nvGrpSpPr>
+      <p:grpSpPr>
+        <a:xfrm>
+          <a:off x="0" y="0"/>
+          <a:ext cx="0" cy="0"/>
+          <a:chOff x="0" y="0"/>
+          <a:chExt cx="0" cy="0"/>
+        </a:xfrm>
+      </p:grpSpPr>
+      <p:sp>
+        <p:nvSpPr>
+          <p:cNvPr id="24" name="Rectangle 23">
+            <a:extLst>
+              <a:ext uri="{FF2B5EF4-FFF2-40B4-BE49-F238E27FC236}">
+                <a16:creationId xmlns:a16="http://schemas.microsoft.com/office/drawing/2014/main" id="{7264F718-7FAC-4056-9FA9-A603EC682FE7}"/>
+              </a:ext>
+              <a:ext uri="{C183D7F6-B498-43B3-948B-1728B52AA6E4}">
+                <adec:decorative xmlns:adec="http://schemas.microsoft.com/office/drawing/2017/decorative" val="1"/>
+              </a:ext>
+            </a:extLst>
+          </p:cNvPr>
+          <p:cNvSpPr>
+            <a:spLocks noGrp="1" noRot="1" noChangeAspect="1" noMove="1" noResize="1" noEditPoints="1" noAdjustHandles="1" noChangeArrowheads="1" noChangeShapeType="1" noTextEdit="1"/>
+          </p:cNvSpPr>
+          <p:nvPr>
+            <p:extLst>
+              <p:ext uri="{386F3935-93C4-4BCD-93E2-E3B085C9AB24}">
+                <p16:designElem xmlns:p16="http://schemas.microsoft.com/office/powerpoint/2015/main" val="1"/>
+              </p:ext>
+            </p:extLst>
+          </p:nvPr>
+        </p:nvSpPr>
+        <p:spPr>
+          <a:xfrm>
+            <a:off x="1525" y="0"/>
+            <a:ext cx="12190475" cy="6858000"/>
+          </a:xfrm>
+          <a:prstGeom prst="rect">
+            <a:avLst/>
+          </a:prstGeom>
+          <a:solidFill>
+            <a:schemeClr val="tx1"/>
+          </a:solidFill>
+          <a:ln>
+            <a:noFill/>
+          </a:ln>
+        </p:spPr>
+        <p:style>
+          <a:lnRef idx="2">
+            <a:schemeClr val="accent1">
+              <a:shade val="50000"/>
+            </a:schemeClr>
+          </a:lnRef>
+          <a:fillRef idx="1">
+            <a:schemeClr val="accent1"/>
+          </a:fillRef>
+          <a:effectRef idx="0">
+            <a:schemeClr val="accent1"/>
+          </a:effectRef>
+          <a:fontRef idx="minor">
+            <a:schemeClr val="lt1"/>
+          </a:fontRef>
+        </p:style>
+        <p:txBody>
+          <a:bodyPr rtlCol="0" anchor="ctr"/>
+          <a:lstStyle/>
+          <a:p>
+            <a:pPr algn="ctr"/>
+            <a:endParaRPr lang="en-US"/>
+          </a:p>
+        </p:txBody>
+      </p:sp>
+      <p:sp>
+        <p:nvSpPr>
+          <p:cNvPr id="26" name="Freeform: Shape 25">
+            <a:extLst>
+              <a:ext uri="{FF2B5EF4-FFF2-40B4-BE49-F238E27FC236}">
+                <a16:creationId xmlns:a16="http://schemas.microsoft.com/office/drawing/2014/main" id="{F74639F7-E3C7-4165-A83E-6386A86BA1DA}"/>
+              </a:ext>
+              <a:ext uri="{C183D7F6-B498-43B3-948B-1728B52AA6E4}">
+                <adec:decorative xmlns:adec="http://schemas.microsoft.com/office/drawing/2017/decorative" val="1"/>
+              </a:ext>
+            </a:extLst>
+          </p:cNvPr>
+          <p:cNvSpPr>
+            <a:spLocks noGrp="1" noRot="1" noChangeAspect="1" noMove="1" noResize="1" noEditPoints="1" noAdjustHandles="1" noChangeArrowheads="1" noChangeShapeType="1" noTextEdit="1"/>
+          </p:cNvSpPr>
+          <p:nvPr>
+            <p:extLst>
+              <p:ext uri="{386F3935-93C4-4BCD-93E2-E3B085C9AB24}">
+                <p16:designElem xmlns:p16="http://schemas.microsoft.com/office/powerpoint/2015/main" val="1"/>
+              </p:ext>
+            </p:extLst>
+          </p:nvPr>
+        </p:nvSpPr>
+        <p:spPr>
+          <a:xfrm flipV="1">
+            <a:off x="0" y="0"/>
+            <a:ext cx="6356349" cy="6858000"/>
+          </a:xfrm>
+          <a:custGeom>
+            <a:avLst/>
+            <a:gdLst>
+              <a:gd name="connsiteX0" fmla="*/ 7539895 w 7539895"/>
+              <a:gd name="connsiteY0" fmla="*/ 6858000 h 6858000"/>
+              <a:gd name="connsiteX1" fmla="*/ 0 w 7539895"/>
+              <a:gd name="connsiteY1" fmla="*/ 6858000 h 6858000"/>
+              <a:gd name="connsiteX2" fmla="*/ 0 w 7539895"/>
+              <a:gd name="connsiteY2" fmla="*/ 0 h 6858000"/>
+              <a:gd name="connsiteX3" fmla="*/ 4363741 w 7539895"/>
+              <a:gd name="connsiteY3" fmla="*/ 0 h 6858000"/>
+            </a:gdLst>
+            <a:ahLst/>
+            <a:cxnLst>
+              <a:cxn ang="0">
+                <a:pos x="connsiteX0" y="connsiteY0"/>
+              </a:cxn>
+              <a:cxn ang="0">
+                <a:pos x="connsiteX1" y="connsiteY1"/>
+              </a:cxn>
+              <a:cxn ang="0">
+                <a:pos x="connsiteX2" y="connsiteY2"/>
+              </a:cxn>
+              <a:cxn ang="0">
+                <a:pos x="connsiteX3" y="connsiteY3"/>
+              </a:cxn>
+            </a:cxnLst>
+            <a:rect l="l" t="t" r="r" b="b"/>
+            <a:pathLst>
+              <a:path w="7539895" h="6858000">
+                <a:moveTo>
+                  <a:pt x="7539895" y="6858000"/>
+                </a:moveTo>
+                <a:lnTo>
+                  <a:pt x="0" y="6858000"/>
+                </a:lnTo>
+                <a:lnTo>
+                  <a:pt x="0" y="0"/>
+                </a:lnTo>
+                <a:lnTo>
+                  <a:pt x="4363741" y="0"/>
+                </a:lnTo>
+                <a:close/>
+              </a:path>
+            </a:pathLst>
+          </a:custGeom>
+          <a:solidFill>
+            <a:schemeClr val="bg1">
+              <a:lumMod val="85000"/>
+              <a:lumOff val="15000"/>
+              <a:alpha val="70000"/>
+            </a:schemeClr>
+          </a:solidFill>
+          <a:ln>
+            <a:noFill/>
+          </a:ln>
+        </p:spPr>
+        <p:style>
+          <a:lnRef idx="2">
+            <a:schemeClr val="accent1">
+              <a:shade val="50000"/>
+            </a:schemeClr>
+          </a:lnRef>
+          <a:fillRef idx="1">
+            <a:schemeClr val="accent1"/>
+          </a:fillRef>
+          <a:effectRef idx="0">
+            <a:schemeClr val="accent1"/>
+          </a:effectRef>
+          <a:fontRef idx="minor">
+            <a:schemeClr val="lt1"/>
+          </a:fontRef>
+        </p:style>
+        <p:txBody>
+          <a:bodyPr wrap="square" rtlCol="0" anchor="ctr">
+            <a:noAutofit/>
+          </a:bodyPr>
+          <a:lstStyle/>
+          <a:p>
+            <a:pPr algn="ctr"/>
+            <a:endParaRPr lang="en-US"/>
+          </a:p>
+        </p:txBody>
+      </p:sp>
+      <p:sp>
+        <p:nvSpPr>
+          <p:cNvPr id="28" name="Freeform: Shape 27">
+            <a:extLst>
+              <a:ext uri="{FF2B5EF4-FFF2-40B4-BE49-F238E27FC236}">
+                <a16:creationId xmlns:a16="http://schemas.microsoft.com/office/drawing/2014/main" id="{8B3AF0F1-707A-463E-B5EE-33C63A40CFC9}"/>
+              </a:ext>
+              <a:ext uri="{C183D7F6-B498-43B3-948B-1728B52AA6E4}">
+                <adec:decorative xmlns:adec="http://schemas.microsoft.com/office/drawing/2017/decorative" val="1"/>
+              </a:ext>
+            </a:extLst>
+          </p:cNvPr>
+          <p:cNvSpPr>
+            <a:spLocks noGrp="1" noRot="1" noChangeAspect="1" noMove="1" noResize="1" noEditPoints="1" noAdjustHandles="1" noChangeArrowheads="1" noChangeShapeType="1" noTextEdit="1"/>
+          </p:cNvSpPr>
+          <p:nvPr>
+            <p:extLst>
+              <p:ext uri="{386F3935-93C4-4BCD-93E2-E3B085C9AB24}">
+                <p16:designElem xmlns:p16="http://schemas.microsoft.com/office/powerpoint/2015/main" val="1"/>
+              </p:ext>
+            </p:extLst>
+          </p:nvPr>
+        </p:nvSpPr>
+        <p:spPr>
+          <a:xfrm flipV="1">
+            <a:off x="0" y="0"/>
+            <a:ext cx="5979591" cy="6858000"/>
+          </a:xfrm>
+          <a:custGeom>
+            <a:avLst/>
+            <a:gdLst>
+              <a:gd name="connsiteX0" fmla="*/ 7092985 w 7092985"/>
+              <a:gd name="connsiteY0" fmla="*/ 6858000 h 6858000"/>
+              <a:gd name="connsiteX1" fmla="*/ 0 w 7092985"/>
+              <a:gd name="connsiteY1" fmla="*/ 6858000 h 6858000"/>
+              <a:gd name="connsiteX2" fmla="*/ 0 w 7092985"/>
+              <a:gd name="connsiteY2" fmla="*/ 0 h 6858000"/>
+              <a:gd name="connsiteX3" fmla="*/ 3916831 w 7092985"/>
+              <a:gd name="connsiteY3" fmla="*/ 0 h 6858000"/>
+            </a:gdLst>
+            <a:ahLst/>
+            <a:cxnLst>
+              <a:cxn ang="0">
+                <a:pos x="connsiteX0" y="connsiteY0"/>
+              </a:cxn>
+              <a:cxn ang="0">
+                <a:pos x="connsiteX1" y="connsiteY1"/>
+              </a:cxn>
+              <a:cxn ang="0">
+                <a:pos x="connsiteX2" y="connsiteY2"/>
+              </a:cxn>
+              <a:cxn ang="0">
+                <a:pos x="connsiteX3" y="connsiteY3"/>
+              </a:cxn>
+            </a:cxnLst>
+            <a:rect l="l" t="t" r="r" b="b"/>
+            <a:pathLst>
+              <a:path w="7092985" h="6858000">
+                <a:moveTo>
+                  <a:pt x="7092985" y="6858000"/>
+                </a:moveTo>
+                <a:lnTo>
+                  <a:pt x="0" y="6858000"/>
+                </a:lnTo>
+                <a:lnTo>
+                  <a:pt x="0" y="0"/>
+                </a:lnTo>
+                <a:lnTo>
+                  <a:pt x="3916831" y="0"/>
+                </a:lnTo>
+                <a:close/>
+              </a:path>
+            </a:pathLst>
+          </a:custGeom>
+          <a:solidFill>
+            <a:schemeClr val="bg1">
+              <a:lumMod val="85000"/>
+              <a:lumOff val="15000"/>
+            </a:schemeClr>
+          </a:solidFill>
+          <a:ln>
+            <a:noFill/>
+          </a:ln>
+        </p:spPr>
+        <p:style>
+          <a:lnRef idx="2">
+            <a:schemeClr val="accent1">
+              <a:shade val="50000"/>
+            </a:schemeClr>
+          </a:lnRef>
+          <a:fillRef idx="1">
+            <a:schemeClr val="accent1"/>
+          </a:fillRef>
+          <a:effectRef idx="0">
+            <a:schemeClr val="accent1"/>
+          </a:effectRef>
+          <a:fontRef idx="minor">
+            <a:schemeClr val="lt1"/>
+          </a:fontRef>
+        </p:style>
+        <p:txBody>
+          <a:bodyPr wrap="square" rtlCol="0" anchor="ctr">
+            <a:noAutofit/>
+          </a:bodyPr>
+          <a:lstStyle/>
+          <a:p>
+            <a:pPr algn="ctr"/>
+            <a:endParaRPr lang="en-US"/>
+          </a:p>
+        </p:txBody>
+      </p:sp>
+      <p:sp>
+        <p:nvSpPr>
+          <p:cNvPr id="2" name="Title 1">
+            <a:extLst>
+              <a:ext uri="{FF2B5EF4-FFF2-40B4-BE49-F238E27FC236}">
+                <a16:creationId xmlns:a16="http://schemas.microsoft.com/office/drawing/2014/main" id="{BD197AB0-547F-40DD-A165-E78F774F989A}"/>
+              </a:ext>
+            </a:extLst>
+          </p:cNvPr>
+          <p:cNvSpPr>
+            <a:spLocks noGrp="1"/>
+          </p:cNvSpPr>
+          <p:nvPr>
+            <p:ph type="title"/>
+          </p:nvPr>
+        </p:nvSpPr>
+        <p:spPr>
+          <a:xfrm>
+            <a:off x="841248" y="704850"/>
+            <a:ext cx="3785616" cy="2978150"/>
+          </a:xfrm>
+        </p:spPr>
+        <p:txBody>
+          <a:bodyPr vert="horz" lIns="91440" tIns="45720" rIns="91440" bIns="45720" rtlCol="0" anchor="b">
+            <a:normAutofit/>
+          </a:bodyPr>
+          <a:lstStyle/>
+          <a:p>
+            <a:r>
+              <a:rPr lang="en-US" kern="1200">
+                <a:latin typeface="+mj-lt"/>
+                <a:ea typeface="+mj-ea"/>
+                <a:cs typeface="+mj-cs"/>
+              </a:rPr>
+              <a:t>Intro</a:t>
+            </a:r>
+          </a:p>
+        </p:txBody>
+      </p:sp>
+      <p:sp>
+        <p:nvSpPr>
+          <p:cNvPr id="5" name="Content Placeholder 4">
+            <a:extLst>
+              <a:ext uri="{FF2B5EF4-FFF2-40B4-BE49-F238E27FC236}">
+                <a16:creationId xmlns:a16="http://schemas.microsoft.com/office/drawing/2014/main" id="{43F84962-FABF-47F9-AC5F-80DFEC411D38}"/>
+              </a:ext>
+            </a:extLst>
+          </p:cNvPr>
+          <p:cNvSpPr>
+            <a:spLocks noGrp="1"/>
+          </p:cNvSpPr>
+          <p:nvPr>
+            <p:ph idx="1"/>
+          </p:nvPr>
+        </p:nvSpPr>
+        <p:spPr>
+          <a:xfrm>
+            <a:off x="6038850" y="704850"/>
+            <a:ext cx="5314950" cy="5251450"/>
+          </a:xfrm>
+        </p:spPr>
+        <p:txBody>
+          <a:bodyPr vert="horz" lIns="91440" tIns="45720" rIns="91440" bIns="45720" rtlCol="0" anchor="ctr">
+            <a:normAutofit/>
+          </a:bodyPr>
+          <a:lstStyle/>
+          <a:p>
+            <a:r>
+              <a:rPr lang="en-US" sz="2100" b="1">
+                <a:solidFill>
+                  <a:schemeClr val="bg1"/>
+                </a:solidFill>
+                <a:effectLst/>
+              </a:rPr>
+              <a:t>Backup des SWITCH</a:t>
+            </a:r>
+          </a:p>
+          <a:p>
+            <a:pPr lvl="1"/>
+            <a:r>
+              <a:rPr lang="en-US" sz="2100">
+                <a:solidFill>
+                  <a:schemeClr val="bg1"/>
+                </a:solidFill>
+              </a:rPr>
+              <a:t>96</a:t>
+            </a:r>
+          </a:p>
+          <a:p>
+            <a:r>
+              <a:rPr lang="en-US" sz="2100" b="1">
+                <a:solidFill>
+                  <a:schemeClr val="bg1"/>
+                </a:solidFill>
+                <a:effectLst/>
+              </a:rPr>
+              <a:t>Backup CKP</a:t>
+            </a:r>
+          </a:p>
+          <a:p>
+            <a:pPr lvl="1"/>
+            <a:r>
+              <a:rPr lang="en-US" sz="2100">
+                <a:solidFill>
+                  <a:schemeClr val="bg1"/>
+                </a:solidFill>
+              </a:rPr>
+              <a:t>22</a:t>
+            </a:r>
+          </a:p>
+          <a:p>
+            <a:r>
+              <a:rPr lang="en-US" sz="2100" b="1">
+                <a:solidFill>
+                  <a:schemeClr val="bg1"/>
+                </a:solidFill>
+                <a:effectLst/>
+              </a:rPr>
+              <a:t>Backup BIGIP</a:t>
+            </a:r>
+          </a:p>
+          <a:p>
+            <a:pPr lvl="1"/>
+            <a:r>
+              <a:rPr lang="en-US" sz="2100">
+                <a:solidFill>
+                  <a:schemeClr val="bg1"/>
+                </a:solidFill>
+              </a:rPr>
+              <a:t>37</a:t>
+            </a:r>
+          </a:p>
+          <a:p>
+            <a:r>
+              <a:rPr kumimoji="0" lang="en-US" sz="2100" b="1" i="0" u="none" strike="noStrike" kern="1200" cap="none" spc="0" normalizeH="0" baseline="0" noProof="0">
+                <a:ln>
+                  <a:noFill/>
+                </a:ln>
+                <a:solidFill>
+                  <a:schemeClr val="bg1"/>
+                </a:solidFill>
+                <a:effectLst/>
+                <a:uLnTx/>
+                <a:uFillTx/>
+                <a:latin typeface="Calibri" panose="020F0502020204030204"/>
+                <a:ea typeface="+mn-ea"/>
+                <a:cs typeface="+mn-cs"/>
+              </a:rPr>
+              <a:t>Total</a:t>
+            </a:r>
+          </a:p>
+          <a:p>
+            <a:pPr marL="457200" marR="0" lvl="1" indent="0" defTabSz="914400" rtl="0" eaLnBrk="1" fontAlgn="auto" latinLnBrk="0" hangingPunct="1">
+              <a:spcBef>
+                <a:spcPts val="0"/>
+              </a:spcBef>
+              <a:spcAft>
+                <a:spcPts val="0"/>
+              </a:spcAft>
+              <a:buClrTx/>
+              <a:buSzTx/>
+              <a:buFontTx/>
+              <a:buNone/>
+              <a:tabLst/>
+              <a:defRPr/>
+            </a:pPr>
+            <a:r>
+              <a:rPr kumimoji="0" lang="en-US" sz="2100" b="0" i="0" u="none" strike="noStrike" kern="1200" cap="none" spc="0" normalizeH="0" baseline="0" noProof="0">
+                <a:ln>
+                  <a:noFill/>
+                </a:ln>
+                <a:solidFill>
+                  <a:schemeClr val="bg1"/>
+                </a:solidFill>
+                <a:effectLst/>
+                <a:uLnTx/>
+                <a:uFillTx/>
+                <a:latin typeface="Calibri" panose="020F0502020204030204"/>
+                <a:ea typeface="+mn-ea"/>
+                <a:cs typeface="+mn-cs"/>
+              </a:rPr>
+              <a:t>96 + 22 + 37 = 155</a:t>
+            </a:r>
+          </a:p>
+          <a:p>
+            <a:endParaRPr lang="en-US" sz="2100">
+              <a:solidFill>
+                <a:schemeClr val="bg1"/>
+              </a:solidFill>
+            </a:endParaRPr>
+          </a:p>
+        </p:txBody>
+      </p:sp>
+      <p:sp>
+        <p:nvSpPr>
+          <p:cNvPr id="6" name="Content Placeholder 4">
+            <a:extLst>
+              <a:ext uri="{FF2B5EF4-FFF2-40B4-BE49-F238E27FC236}">
+                <a16:creationId xmlns:a16="http://schemas.microsoft.com/office/drawing/2014/main" id="{27C239A3-1032-4A56-917F-0842E419D2C8}"/>
+              </a:ext>
+            </a:extLst>
+          </p:cNvPr>
+          <p:cNvSpPr txBox="1">
+            <a:spLocks/>
+          </p:cNvSpPr>
+          <p:nvPr/>
+        </p:nvSpPr>
+        <p:spPr>
+          <a:xfrm>
+            <a:off x="8451604" y="1412489"/>
+            <a:ext cx="2926080" cy="4363844"/>
+          </a:xfrm>
+          <a:prstGeom prst="rect">
+            <a:avLst/>
+          </a:prstGeom>
+        </p:spPr>
+        <p:txBody>
+          <a:bodyPr vert="horz" lIns="91440" tIns="45720" rIns="91440" bIns="45720" rtlCol="0">
+            <a:normAutofit/>
+          </a:bodyPr>
+          <a:lstStyle>
+            <a:lvl1pPr marL="228600" indent="-228600" algn="l" defTabSz="914400" rtl="0" eaLnBrk="1" latinLnBrk="0" hangingPunct="1">
+              <a:lnSpc>
+                <a:spcPct val="90000"/>
+              </a:lnSpc>
+              <a:spcBef>
+                <a:spcPts val="1000"/>
+              </a:spcBef>
+              <a:buFont typeface="Arial" panose="020B0604020202020204" pitchFamily="34" charset="0"/>
+              <a:buChar char="•"/>
+              <a:defRPr sz="2800" kern="1200">
+                <a:solidFill>
+                  <a:schemeClr val="tx1"/>
+                </a:solidFill>
+                <a:latin typeface="+mn-lt"/>
+                <a:ea typeface="+mn-ea"/>
+                <a:cs typeface="+mn-cs"/>
+              </a:defRPr>
+            </a:lvl1pPr>
+            <a:lvl2pPr marL="685800" indent="-228600" algn="l" defTabSz="914400" rtl="0" eaLnBrk="1" latinLnBrk="0" hangingPunct="1">
+              <a:lnSpc>
+                <a:spcPct val="90000"/>
+              </a:lnSpc>
+              <a:spcBef>
+                <a:spcPts val="500"/>
+              </a:spcBef>
+              <a:buFont typeface="Arial" panose="020B0604020202020204" pitchFamily="34" charset="0"/>
+              <a:buChar char="•"/>
+              <a:defRPr sz="2400" kern="1200">
+                <a:solidFill>
+                  <a:schemeClr val="tx1"/>
+                </a:solidFill>
+                <a:latin typeface="+mn-lt"/>
+                <a:ea typeface="+mn-ea"/>
+                <a:cs typeface="+mn-cs"/>
+              </a:defRPr>
+            </a:lvl2pPr>
+            <a:lvl3pPr marL="1143000" indent="-228600" algn="l" defTabSz="914400" rtl="0" eaLnBrk="1" latinLnBrk="0" hangingPunct="1">
+              <a:lnSpc>
+                <a:spcPct val="90000"/>
+              </a:lnSpc>
+              <a:spcBef>
+                <a:spcPts val="500"/>
+              </a:spcBef>
+              <a:buFont typeface="Arial" panose="020B0604020202020204" pitchFamily="34" charset="0"/>
+              <a:buChar char="•"/>
+              <a:defRPr sz="2000" kern="1200">
+                <a:solidFill>
+                  <a:schemeClr val="tx1"/>
+                </a:solidFill>
+                <a:latin typeface="+mn-lt"/>
+                <a:ea typeface="+mn-ea"/>
+                <a:cs typeface="+mn-cs"/>
+              </a:defRPr>
+            </a:lvl3pPr>
+            <a:lvl4pPr marL="1600200" indent="-228600" algn="l" defTabSz="914400" rtl="0" eaLnBrk="1" latinLnBrk="0" hangingPunct="1">
+              <a:lnSpc>
+                <a:spcPct val="90000"/>
+              </a:lnSpc>
+              <a:spcBef>
+                <a:spcPts val="500"/>
+              </a:spcBef>
+              <a:buFont typeface="Arial" panose="020B0604020202020204" pitchFamily="34" charset="0"/>
+              <a:buChar char="•"/>
+              <a:defRPr sz="1800" kern="1200">
+                <a:solidFill>
+                  <a:schemeClr val="tx1"/>
+                </a:solidFill>
+                <a:latin typeface="+mn-lt"/>
+                <a:ea typeface="+mn-ea"/>
+                <a:cs typeface="+mn-cs"/>
+              </a:defRPr>
+            </a:lvl4pPr>
+            <a:lvl5pPr marL="2057400" indent="-228600" algn="l" defTabSz="914400" rtl="0" eaLnBrk="1" latinLnBrk="0" hangingPunct="1">
+              <a:lnSpc>
+                <a:spcPct val="90000"/>
+              </a:lnSpc>
+              <a:spcBef>
+                <a:spcPts val="500"/>
+              </a:spcBef>
+              <a:buFont typeface="Arial" panose="020B0604020202020204" pitchFamily="34" charset="0"/>
+              <a:buChar char="•"/>
+              <a:defRPr sz="1800" kern="1200">
+                <a:solidFill>
+                  <a:schemeClr val="tx1"/>
+                </a:solidFill>
+                <a:latin typeface="+mn-lt"/>
+                <a:ea typeface="+mn-ea"/>
+                <a:cs typeface="+mn-cs"/>
+              </a:defRPr>
+            </a:lvl5pPr>
+            <a:lvl6pPr marL="2514600" indent="-228600" algn="l" defTabSz="914400" rtl="0" eaLnBrk="1" latinLnBrk="0" hangingPunct="1">
+              <a:lnSpc>
+                <a:spcPct val="90000"/>
+              </a:lnSpc>
+              <a:spcBef>
+                <a:spcPts val="500"/>
+              </a:spcBef>
+              <a:buFont typeface="Arial" panose="020B0604020202020204" pitchFamily="34" charset="0"/>
+              <a:buChar char="•"/>
+              <a:defRPr sz="1800" kern="1200">
+                <a:solidFill>
+                  <a:schemeClr val="tx1"/>
+                </a:solidFill>
+                <a:latin typeface="+mn-lt"/>
+                <a:ea typeface="+mn-ea"/>
+                <a:cs typeface="+mn-cs"/>
+              </a:defRPr>
+            </a:lvl6pPr>
+            <a:lvl7pPr marL="2971800" indent="-228600" algn="l" defTabSz="914400" rtl="0" eaLnBrk="1" latinLnBrk="0" hangingPunct="1">
+              <a:lnSpc>
+                <a:spcPct val="90000"/>
+              </a:lnSpc>
+              <a:spcBef>
+                <a:spcPts val="500"/>
+              </a:spcBef>
+              <a:buFont typeface="Arial" panose="020B0604020202020204" pitchFamily="34" charset="0"/>
+              <a:buChar char="•"/>
+              <a:defRPr sz="1800" kern="1200">
+                <a:solidFill>
+                  <a:schemeClr val="tx1"/>
+                </a:solidFill>
+                <a:latin typeface="+mn-lt"/>
+                <a:ea typeface="+mn-ea"/>
+                <a:cs typeface="+mn-cs"/>
+              </a:defRPr>
+            </a:lvl7pPr>
+            <a:lvl8pPr marL="3429000" indent="-228600" algn="l" defTabSz="914400" rtl="0" eaLnBrk="1" latinLnBrk="0" hangingPunct="1">
+              <a:lnSpc>
+                <a:spcPct val="90000"/>
+              </a:lnSpc>
+              <a:spcBef>
+                <a:spcPts val="500"/>
+              </a:spcBef>
+              <a:buFont typeface="Arial" panose="020B0604020202020204" pitchFamily="34" charset="0"/>
+              <a:buChar char="•"/>
+              <a:defRPr sz="1800" kern="1200">
+                <a:solidFill>
+                  <a:schemeClr val="tx1"/>
+                </a:solidFill>
+                <a:latin typeface="+mn-lt"/>
+                <a:ea typeface="+mn-ea"/>
+                <a:cs typeface="+mn-cs"/>
+              </a:defRPr>
+            </a:lvl8pPr>
+            <a:lvl9pPr marL="3886200" indent="-228600" algn="l" defTabSz="914400" rtl="0" eaLnBrk="1" latinLnBrk="0" hangingPunct="1">
+              <a:lnSpc>
+                <a:spcPct val="90000"/>
+              </a:lnSpc>
+              <a:spcBef>
+                <a:spcPts val="500"/>
+              </a:spcBef>
+              <a:buFont typeface="Arial" panose="020B0604020202020204" pitchFamily="34" charset="0"/>
+              <a:buChar char="•"/>
+              <a:defRPr sz="1800" kern="1200">
+                <a:solidFill>
+                  <a:schemeClr val="tx1"/>
+                </a:solidFill>
+                <a:latin typeface="+mn-lt"/>
+                <a:ea typeface="+mn-ea"/>
+                <a:cs typeface="+mn-cs"/>
+              </a:defRPr>
+            </a:lvl9pPr>
+          </a:lstStyle>
+          <a:p>
+            <a:endParaRPr lang="en-US" sz="2000" dirty="0"/>
+          </a:p>
+        </p:txBody>
+      </p:sp>
+    </p:spTree>
+    <p:extLst>
+      <p:ext uri="{BB962C8B-B14F-4D97-AF65-F5344CB8AC3E}">
+        <p14:creationId xmlns:p14="http://schemas.microsoft.com/office/powerpoint/2010/main" val="659779279"/>
+      </p:ext>
+    </p:extLst>
+  </p:cSld>
+  <p:clrMapOvr>
+    <a:overrideClrMapping bg1="dk1" tx1="lt1" bg2="dk2" tx2="lt2" accent1="accent1" accent2="accent2" accent3="accent3" accent4="accent4" accent5="accent5" accent6="accent6" hlink="hlink" folHlink="folHlink"/>
+  </p:clrMapOvr>
+</p:sld>
+</file>
+
+<file path=ppt/slides/slide6.xml><?xml version="1.0" encoding="utf-8"?>
+<p:sld xmlns:a="http://schemas.openxmlformats.org/drawingml/2006/main" xmlns:r="http://schemas.openxmlformats.org/officeDocument/2006/relationships" xmlns:p="http://schemas.openxmlformats.org/presentationml/2006/main">
+  <p:cSld>
+    <p:bg>
+      <p:bgPr>
+        <a:solidFill>
+          <a:schemeClr val="bg1"/>
+        </a:solidFill>
+        <a:effectLst/>
+      </p:bgPr>
+    </p:bg>
+    <p:spTree>
+      <p:nvGrpSpPr>
+        <p:cNvPr id="1" name=""/>
+        <p:cNvGrpSpPr/>
+        <p:nvPr/>
+      </p:nvGrpSpPr>
+      <p:grpSpPr>
+        <a:xfrm>
+          <a:off x="0" y="0"/>
+          <a:ext cx="0" cy="0"/>
+          <a:chOff x="0" y="0"/>
+          <a:chExt cx="0" cy="0"/>
+        </a:xfrm>
+      </p:grpSpPr>
+      <p:pic>
+        <p:nvPicPr>
+          <p:cNvPr id="1026" name="Picture 2" descr="Reading glasses: What they are and what to look for">
+            <a:extLst>
+              <a:ext uri="{FF2B5EF4-FFF2-40B4-BE49-F238E27FC236}">
+                <a16:creationId xmlns:a16="http://schemas.microsoft.com/office/drawing/2014/main" id="{6DB3F2B2-70CE-4743-BB28-38DA7FB959A6}"/>
+              </a:ext>
+            </a:extLst>
+          </p:cNvPr>
+          <p:cNvPicPr>
+            <a:picLocks noGrp="1" noChangeAspect="1" noChangeArrowheads="1"/>
+          </p:cNvPicPr>
+          <p:nvPr>
+            <p:ph idx="1"/>
+          </p:nvPr>
+        </p:nvPicPr>
+        <p:blipFill rotWithShape="1">
+          <a:blip r:embed="rId2">
+            <a:extLst>
+              <a:ext uri="{28A0092B-C50C-407E-A947-70E740481C1C}">
+                <a14:useLocalDpi xmlns:a14="http://schemas.microsoft.com/office/drawing/2010/main" val="0"/>
+              </a:ext>
+            </a:extLst>
+          </a:blip>
+          <a:srcRect r="6666"/>
+          <a:stretch/>
+        </p:blipFill>
+        <p:spPr bwMode="auto">
+          <a:xfrm>
+            <a:off x="20" y="1"/>
+            <a:ext cx="12191980" cy="6857999"/>
+          </a:xfrm>
+          <a:prstGeom prst="rect">
+            <a:avLst/>
+          </a:prstGeom>
+          <a:noFill/>
+          <a:extLst>
+            <a:ext uri="{909E8E84-426E-40DD-AFC4-6F175D3DCCD1}">
+              <a14:hiddenFill xmlns:a14="http://schemas.microsoft.com/office/drawing/2010/main">
+                <a:solidFill>
+                  <a:srgbClr val="FFFFFF"/>
+                </a:solidFill>
+              </a14:hiddenFill>
+            </a:ext>
+          </a:extLst>
+        </p:spPr>
+      </p:pic>
+      <p:sp>
+        <p:nvSpPr>
+          <p:cNvPr id="73" name="Freeform 5">
+            <a:extLst>
+              <a:ext uri="{FF2B5EF4-FFF2-40B4-BE49-F238E27FC236}">
+                <a16:creationId xmlns:a16="http://schemas.microsoft.com/office/drawing/2014/main" id="{87CC2527-562A-4F69-B487-4371E5B243E7}"/>
+              </a:ext>
+              <a:ext uri="{C183D7F6-B498-43B3-948B-1728B52AA6E4}">
+                <adec:decorative xmlns:adec="http://schemas.microsoft.com/office/drawing/2017/decorative" val="1"/>
+              </a:ext>
+            </a:extLst>
+          </p:cNvPr>
+          <p:cNvSpPr>
+            <a:spLocks noGrp="1" noRot="1" noChangeAspect="1" noMove="1" noResize="1" noEditPoints="1" noAdjustHandles="1" noChangeArrowheads="1" noChangeShapeType="1" noTextEdit="1"/>
+          </p:cNvSpPr>
+          <p:nvPr>
+            <p:extLst>
+              <p:ext uri="{386F3935-93C4-4BCD-93E2-E3B085C9AB24}">
+                <p16:designElem xmlns:p16="http://schemas.microsoft.com/office/powerpoint/2015/main" val="1"/>
+              </p:ext>
+            </p:extLst>
+          </p:nvPr>
+        </p:nvSpPr>
+        <p:spPr bwMode="grayWhite">
+          <a:xfrm>
+            <a:off x="7488621" y="2277613"/>
+            <a:ext cx="4703379" cy="4580387"/>
+          </a:xfrm>
+          <a:custGeom>
+            <a:avLst/>
+            <a:gdLst>
+              <a:gd name="T0" fmla="*/ 1333 w 1333"/>
+              <a:gd name="T1" fmla="*/ 1031 h 1298"/>
+              <a:gd name="T2" fmla="*/ 1333 w 1333"/>
+              <a:gd name="T3" fmla="*/ 380 h 1298"/>
+              <a:gd name="T4" fmla="*/ 706 w 1333"/>
+              <a:gd name="T5" fmla="*/ 0 h 1298"/>
+              <a:gd name="T6" fmla="*/ 0 w 1333"/>
+              <a:gd name="T7" fmla="*/ 706 h 1298"/>
+              <a:gd name="T8" fmla="*/ 323 w 1333"/>
+              <a:gd name="T9" fmla="*/ 1298 h 1298"/>
+              <a:gd name="T10" fmla="*/ 1090 w 1333"/>
+              <a:gd name="T11" fmla="*/ 1298 h 1298"/>
+              <a:gd name="T12" fmla="*/ 1333 w 1333"/>
+              <a:gd name="T13" fmla="*/ 1031 h 1298"/>
+            </a:gdLst>
+            <a:ahLst/>
+            <a:cxnLst>
+              <a:cxn ang="0">
+                <a:pos x="T0" y="T1"/>
+              </a:cxn>
+              <a:cxn ang="0">
+                <a:pos x="T2" y="T3"/>
+              </a:cxn>
+              <a:cxn ang="0">
+                <a:pos x="T4" y="T5"/>
+              </a:cxn>
+              <a:cxn ang="0">
+                <a:pos x="T6" y="T7"/>
+              </a:cxn>
+              <a:cxn ang="0">
+                <a:pos x="T8" y="T9"/>
+              </a:cxn>
+              <a:cxn ang="0">
+                <a:pos x="T10" y="T11"/>
+              </a:cxn>
+              <a:cxn ang="0">
+                <a:pos x="T12" y="T13"/>
+              </a:cxn>
+            </a:cxnLst>
+            <a:rect l="0" t="0" r="r" b="b"/>
+            <a:pathLst>
+              <a:path w="1333" h="1298">
+                <a:moveTo>
+                  <a:pt x="1333" y="1031"/>
+                </a:moveTo>
+                <a:cubicBezTo>
+                  <a:pt x="1333" y="380"/>
+                  <a:pt x="1333" y="380"/>
+                  <a:pt x="1333" y="380"/>
+                </a:cubicBezTo>
+                <a:cubicBezTo>
+                  <a:pt x="1215" y="154"/>
+                  <a:pt x="979" y="0"/>
+                  <a:pt x="706" y="0"/>
+                </a:cubicBezTo>
+                <a:cubicBezTo>
+                  <a:pt x="317" y="0"/>
+                  <a:pt x="0" y="316"/>
+                  <a:pt x="0" y="706"/>
+                </a:cubicBezTo>
+                <a:cubicBezTo>
+                  <a:pt x="0" y="954"/>
+                  <a:pt x="129" y="1172"/>
+                  <a:pt x="323" y="1298"/>
+                </a:cubicBezTo>
+                <a:cubicBezTo>
+                  <a:pt x="1090" y="1298"/>
+                  <a:pt x="1090" y="1298"/>
+                  <a:pt x="1090" y="1298"/>
+                </a:cubicBezTo>
+                <a:cubicBezTo>
+                  <a:pt x="1193" y="1232"/>
+                  <a:pt x="1276" y="1140"/>
+                  <a:pt x="1333" y="1031"/>
+                </a:cubicBezTo>
+                <a:close/>
+              </a:path>
+            </a:pathLst>
+          </a:custGeom>
+          <a:solidFill>
+            <a:schemeClr val="bg1">
+              <a:alpha val="70000"/>
+            </a:schemeClr>
+          </a:solidFill>
+          <a:ln w="50800" cap="sq" cmpd="dbl">
+            <a:noFill/>
+            <a:miter lim="800000"/>
+          </a:ln>
+          <a:effectLst/>
+        </p:spPr>
+        <p:txBody>
+          <a:bodyPr vert="horz" lIns="91440" tIns="45720" rIns="91440" bIns="45720" rtlCol="0" anchor="t">
+            <a:normAutofit/>
+          </a:bodyPr>
+          <a:lstStyle/>
+          <a:p>
+            <a:pPr algn="ctr">
+              <a:spcAft>
+                <a:spcPts val="1000"/>
+              </a:spcAft>
+              <a:buClr>
+                <a:schemeClr val="tx1"/>
+              </a:buClr>
+              <a:buSzPct val="100000"/>
+              <a:buFont typeface="Arial"/>
+              <a:buNone/>
+            </a:pPr>
+            <a:endParaRPr lang="en-US" sz="1600" cap="all"/>
+          </a:p>
+        </p:txBody>
+      </p:sp>
+      <p:sp>
+        <p:nvSpPr>
+          <p:cNvPr id="2" name="Title 1">
+            <a:extLst>
+              <a:ext uri="{FF2B5EF4-FFF2-40B4-BE49-F238E27FC236}">
+                <a16:creationId xmlns:a16="http://schemas.microsoft.com/office/drawing/2014/main" id="{BD197AB0-547F-40DD-A165-E78F774F989A}"/>
+              </a:ext>
+            </a:extLst>
+          </p:cNvPr>
+          <p:cNvSpPr>
+            <a:spLocks noGrp="1"/>
+          </p:cNvSpPr>
+          <p:nvPr>
+            <p:ph type="title"/>
+          </p:nvPr>
+        </p:nvSpPr>
+        <p:spPr>
+          <a:xfrm>
+            <a:off x="8022021" y="3231931"/>
+            <a:ext cx="3852041" cy="1834056"/>
+          </a:xfrm>
+        </p:spPr>
+        <p:txBody>
+          <a:bodyPr vert="horz" lIns="91440" tIns="45720" rIns="91440" bIns="45720" rtlCol="0" anchor="b">
+            <a:normAutofit/>
+          </a:bodyPr>
+          <a:lstStyle/>
+          <a:p>
+            <a:pPr algn="ctr"/>
+            <a:r>
+              <a:rPr lang="en-US" sz="4000"/>
+              <a:t>Problem arise while performing manual checks</a:t>
+            </a:r>
+          </a:p>
+        </p:txBody>
+      </p:sp>
+      <p:cxnSp>
+        <p:nvCxnSpPr>
+          <p:cNvPr id="75" name="Straight Connector 74">
+            <a:extLst>
+              <a:ext uri="{FF2B5EF4-FFF2-40B4-BE49-F238E27FC236}">
+                <a16:creationId xmlns:a16="http://schemas.microsoft.com/office/drawing/2014/main" id="{BCDAEC91-5BCE-4B55-9CC0-43EF94CB734B}"/>
+              </a:ext>
+              <a:ext uri="{C183D7F6-B498-43B3-948B-1728B52AA6E4}">
+                <adec:decorative xmlns:adec="http://schemas.microsoft.com/office/drawing/2017/decorative" val="1"/>
+              </a:ext>
+            </a:extLst>
+          </p:cNvPr>
+          <p:cNvCxnSpPr>
+            <a:cxnSpLocks noGrp="1" noRot="1" noChangeAspect="1" noMove="1" noResize="1" noEditPoints="1" noAdjustHandles="1" noChangeArrowheads="1" noChangeShapeType="1"/>
+          </p:cNvCxnSpPr>
+          <p:nvPr>
+            <p:extLst>
+              <p:ext uri="{386F3935-93C4-4BCD-93E2-E3B085C9AB24}">
+                <p16:designElem xmlns:p16="http://schemas.microsoft.com/office/powerpoint/2015/main" val="1"/>
+              </p:ext>
+            </p:extLst>
+          </p:nvPr>
+        </p:nvCxnSpPr>
+        <p:spPr>
+          <a:xfrm>
+            <a:off x="9480331" y="5123793"/>
+            <a:ext cx="935420" cy="0"/>
+          </a:xfrm>
+          <a:prstGeom prst="line">
+            <a:avLst/>
+          </a:prstGeom>
+          <a:ln w="25400" cap="sq">
+            <a:solidFill>
+              <a:schemeClr val="tx1">
+                <a:lumMod val="85000"/>
+                <a:lumOff val="15000"/>
+              </a:schemeClr>
+            </a:solidFill>
+            <a:bevel/>
+          </a:ln>
+        </p:spPr>
+        <p:style>
+          <a:lnRef idx="1">
+            <a:schemeClr val="accent1"/>
+          </a:lnRef>
+          <a:fillRef idx="0">
+            <a:schemeClr val="accent1"/>
+          </a:fillRef>
+          <a:effectRef idx="0">
+            <a:schemeClr val="accent1"/>
+          </a:effectRef>
+          <a:fontRef idx="minor">
+            <a:schemeClr val="tx1"/>
+          </a:fontRef>
+        </p:style>
+      </p:cxnSp>
+    </p:spTree>
+    <p:extLst>
+      <p:ext uri="{BB962C8B-B14F-4D97-AF65-F5344CB8AC3E}">
+        <p14:creationId xmlns:p14="http://schemas.microsoft.com/office/powerpoint/2010/main" val="2006801606"/>
+      </p:ext>
+    </p:extLst>
+  </p:cSld>
+  <p:clrMapOvr>
+    <a:masterClrMapping/>
+  </p:clrMapOvr>
+</p:sld>
+</file>
+
+<file path=ppt/slides/slide7.xml><?xml version="1.0" encoding="utf-8"?>
+<p:sld xmlns:a="http://schemas.openxmlformats.org/drawingml/2006/main" xmlns:r="http://schemas.openxmlformats.org/officeDocument/2006/relationships" xmlns:p="http://schemas.openxmlformats.org/presentationml/2006/main">
+  <p:cSld>
+    <p:bg>
+      <p:bgPr>
+        <a:solidFill>
+          <a:schemeClr val="bg1"/>
+        </a:solidFill>
+        <a:effectLst/>
+      </p:bgPr>
+    </p:bg>
+    <p:spTree>
+      <p:nvGrpSpPr>
+        <p:cNvPr id="1" name=""/>
+        <p:cNvGrpSpPr/>
+        <p:nvPr/>
+      </p:nvGrpSpPr>
+      <p:grpSpPr>
+        <a:xfrm>
+          <a:off x="0" y="0"/>
+          <a:ext cx="0" cy="0"/>
+          <a:chOff x="0" y="0"/>
+          <a:chExt cx="0" cy="0"/>
+        </a:xfrm>
+      </p:grpSpPr>
+      <p:sp>
+        <p:nvSpPr>
+          <p:cNvPr id="8" name="Rectangle 7">
+            <a:extLst>
+              <a:ext uri="{FF2B5EF4-FFF2-40B4-BE49-F238E27FC236}">
+                <a16:creationId xmlns:a16="http://schemas.microsoft.com/office/drawing/2014/main" id="{7264F718-7FAC-4056-9FA9-A603EC682FE7}"/>
+              </a:ext>
+              <a:ext uri="{C183D7F6-B498-43B3-948B-1728B52AA6E4}">
+                <adec:decorative xmlns:adec="http://schemas.microsoft.com/office/drawing/2017/decorative" val="1"/>
+              </a:ext>
+            </a:extLst>
+          </p:cNvPr>
+          <p:cNvSpPr>
+            <a:spLocks noGrp="1" noRot="1" noChangeAspect="1" noMove="1" noResize="1" noEditPoints="1" noAdjustHandles="1" noChangeArrowheads="1" noChangeShapeType="1" noTextEdit="1"/>
+          </p:cNvSpPr>
+          <p:nvPr>
+            <p:extLst>
+              <p:ext uri="{386F3935-93C4-4BCD-93E2-E3B085C9AB24}">
+                <p16:designElem xmlns:p16="http://schemas.microsoft.com/office/powerpoint/2015/main" val="1"/>
+              </p:ext>
+            </p:extLst>
+          </p:nvPr>
+        </p:nvSpPr>
+        <p:spPr>
+          <a:xfrm>
+            <a:off x="1525" y="0"/>
+            <a:ext cx="12190475" cy="6858000"/>
+          </a:xfrm>
+          <a:prstGeom prst="rect">
+            <a:avLst/>
+          </a:prstGeom>
+          <a:solidFill>
+            <a:schemeClr val="tx1"/>
+          </a:solidFill>
+          <a:ln>
+            <a:noFill/>
+          </a:ln>
+        </p:spPr>
+        <p:style>
+          <a:lnRef idx="2">
+            <a:schemeClr val="accent1">
+              <a:shade val="50000"/>
+            </a:schemeClr>
+          </a:lnRef>
+          <a:fillRef idx="1">
+            <a:schemeClr val="accent1"/>
+          </a:fillRef>
+          <a:effectRef idx="0">
+            <a:schemeClr val="accent1"/>
+          </a:effectRef>
+          <a:fontRef idx="minor">
+            <a:schemeClr val="lt1"/>
+          </a:fontRef>
+        </p:style>
+        <p:txBody>
+          <a:bodyPr rtlCol="0" anchor="ctr"/>
+          <a:lstStyle/>
+          <a:p>
+            <a:pPr algn="ctr"/>
+            <a:endParaRPr lang="en-US"/>
+          </a:p>
+        </p:txBody>
+      </p:sp>
+      <p:sp>
+        <p:nvSpPr>
+          <p:cNvPr id="10" name="Freeform: Shape 9">
+            <a:extLst>
+              <a:ext uri="{FF2B5EF4-FFF2-40B4-BE49-F238E27FC236}">
+                <a16:creationId xmlns:a16="http://schemas.microsoft.com/office/drawing/2014/main" id="{F74639F7-E3C7-4165-A83E-6386A86BA1DA}"/>
+              </a:ext>
+              <a:ext uri="{C183D7F6-B498-43B3-948B-1728B52AA6E4}">
+                <adec:decorative xmlns:adec="http://schemas.microsoft.com/office/drawing/2017/decorative" val="1"/>
+              </a:ext>
+            </a:extLst>
+          </p:cNvPr>
+          <p:cNvSpPr>
+            <a:spLocks noGrp="1" noRot="1" noChangeAspect="1" noMove="1" noResize="1" noEditPoints="1" noAdjustHandles="1" noChangeArrowheads="1" noChangeShapeType="1" noTextEdit="1"/>
+          </p:cNvSpPr>
+          <p:nvPr>
+            <p:extLst>
+              <p:ext uri="{386F3935-93C4-4BCD-93E2-E3B085C9AB24}">
+                <p16:designElem xmlns:p16="http://schemas.microsoft.com/office/powerpoint/2015/main" val="1"/>
+              </p:ext>
+            </p:extLst>
+          </p:nvPr>
+        </p:nvSpPr>
+        <p:spPr>
+          <a:xfrm flipV="1">
+            <a:off x="0" y="0"/>
+            <a:ext cx="6356349" cy="6858000"/>
+          </a:xfrm>
+          <a:custGeom>
+            <a:avLst/>
+            <a:gdLst>
+              <a:gd name="connsiteX0" fmla="*/ 7539895 w 7539895"/>
+              <a:gd name="connsiteY0" fmla="*/ 6858000 h 6858000"/>
+              <a:gd name="connsiteX1" fmla="*/ 0 w 7539895"/>
+              <a:gd name="connsiteY1" fmla="*/ 6858000 h 6858000"/>
+              <a:gd name="connsiteX2" fmla="*/ 0 w 7539895"/>
+              <a:gd name="connsiteY2" fmla="*/ 0 h 6858000"/>
+              <a:gd name="connsiteX3" fmla="*/ 4363741 w 7539895"/>
+              <a:gd name="connsiteY3" fmla="*/ 0 h 6858000"/>
+            </a:gdLst>
+            <a:ahLst/>
+            <a:cxnLst>
+              <a:cxn ang="0">
+                <a:pos x="connsiteX0" y="connsiteY0"/>
+              </a:cxn>
+              <a:cxn ang="0">
+                <a:pos x="connsiteX1" y="connsiteY1"/>
+              </a:cxn>
+              <a:cxn ang="0">
+                <a:pos x="connsiteX2" y="connsiteY2"/>
+              </a:cxn>
+              <a:cxn ang="0">
+                <a:pos x="connsiteX3" y="connsiteY3"/>
+              </a:cxn>
+            </a:cxnLst>
+            <a:rect l="l" t="t" r="r" b="b"/>
+            <a:pathLst>
+              <a:path w="7539895" h="6858000">
+                <a:moveTo>
+                  <a:pt x="7539895" y="6858000"/>
+                </a:moveTo>
+                <a:lnTo>
+                  <a:pt x="0" y="6858000"/>
+                </a:lnTo>
+                <a:lnTo>
+                  <a:pt x="0" y="0"/>
+                </a:lnTo>
+                <a:lnTo>
+                  <a:pt x="4363741" y="0"/>
+                </a:lnTo>
+                <a:close/>
+              </a:path>
+            </a:pathLst>
+          </a:custGeom>
+          <a:solidFill>
+            <a:schemeClr val="bg1">
+              <a:lumMod val="85000"/>
+              <a:lumOff val="15000"/>
+              <a:alpha val="70000"/>
+            </a:schemeClr>
+          </a:solidFill>
+          <a:ln>
+            <a:noFill/>
+          </a:ln>
+        </p:spPr>
+        <p:style>
+          <a:lnRef idx="2">
+            <a:schemeClr val="accent1">
+              <a:shade val="50000"/>
+            </a:schemeClr>
+          </a:lnRef>
+          <a:fillRef idx="1">
+            <a:schemeClr val="accent1"/>
+          </a:fillRef>
+          <a:effectRef idx="0">
+            <a:schemeClr val="accent1"/>
+          </a:effectRef>
+          <a:fontRef idx="minor">
+            <a:schemeClr val="lt1"/>
+          </a:fontRef>
+        </p:style>
+        <p:txBody>
+          <a:bodyPr wrap="square" rtlCol="0" anchor="ctr">
+            <a:noAutofit/>
+          </a:bodyPr>
+          <a:lstStyle/>
+          <a:p>
+            <a:pPr algn="ctr"/>
+            <a:endParaRPr lang="en-US"/>
+          </a:p>
+        </p:txBody>
+      </p:sp>
+      <p:sp>
+        <p:nvSpPr>
+          <p:cNvPr id="12" name="Freeform: Shape 11">
+            <a:extLst>
+              <a:ext uri="{FF2B5EF4-FFF2-40B4-BE49-F238E27FC236}">
+                <a16:creationId xmlns:a16="http://schemas.microsoft.com/office/drawing/2014/main" id="{8B3AF0F1-707A-463E-B5EE-33C63A40CFC9}"/>
+              </a:ext>
+              <a:ext uri="{C183D7F6-B498-43B3-948B-1728B52AA6E4}">
+                <adec:decorative xmlns:adec="http://schemas.microsoft.com/office/drawing/2017/decorative" val="1"/>
+              </a:ext>
+            </a:extLst>
+          </p:cNvPr>
+          <p:cNvSpPr>
+            <a:spLocks noGrp="1" noRot="1" noChangeAspect="1" noMove="1" noResize="1" noEditPoints="1" noAdjustHandles="1" noChangeArrowheads="1" noChangeShapeType="1" noTextEdit="1"/>
+          </p:cNvSpPr>
+          <p:nvPr>
+            <p:extLst>
+              <p:ext uri="{386F3935-93C4-4BCD-93E2-E3B085C9AB24}">
+                <p16:designElem xmlns:p16="http://schemas.microsoft.com/office/powerpoint/2015/main" val="1"/>
+              </p:ext>
+            </p:extLst>
+          </p:nvPr>
+        </p:nvSpPr>
+        <p:spPr>
+          <a:xfrm flipV="1">
+            <a:off x="0" y="0"/>
+            <a:ext cx="5979591" cy="6858000"/>
+          </a:xfrm>
+          <a:custGeom>
+            <a:avLst/>
+            <a:gdLst>
+              <a:gd name="connsiteX0" fmla="*/ 7092985 w 7092985"/>
+              <a:gd name="connsiteY0" fmla="*/ 6858000 h 6858000"/>
+              <a:gd name="connsiteX1" fmla="*/ 0 w 7092985"/>
+              <a:gd name="connsiteY1" fmla="*/ 6858000 h 6858000"/>
+              <a:gd name="connsiteX2" fmla="*/ 0 w 7092985"/>
+              <a:gd name="connsiteY2" fmla="*/ 0 h 6858000"/>
+              <a:gd name="connsiteX3" fmla="*/ 3916831 w 7092985"/>
+              <a:gd name="connsiteY3" fmla="*/ 0 h 6858000"/>
+            </a:gdLst>
+            <a:ahLst/>
+            <a:cxnLst>
+              <a:cxn ang="0">
+                <a:pos x="connsiteX0" y="connsiteY0"/>
+              </a:cxn>
+              <a:cxn ang="0">
+                <a:pos x="connsiteX1" y="connsiteY1"/>
+              </a:cxn>
+              <a:cxn ang="0">
+                <a:pos x="connsiteX2" y="connsiteY2"/>
+              </a:cxn>
+              <a:cxn ang="0">
+                <a:pos x="connsiteX3" y="connsiteY3"/>
+              </a:cxn>
+            </a:cxnLst>
+            <a:rect l="l" t="t" r="r" b="b"/>
+            <a:pathLst>
+              <a:path w="7092985" h="6858000">
+                <a:moveTo>
+                  <a:pt x="7092985" y="6858000"/>
+                </a:moveTo>
+                <a:lnTo>
+                  <a:pt x="0" y="6858000"/>
+                </a:lnTo>
+                <a:lnTo>
+                  <a:pt x="0" y="0"/>
+                </a:lnTo>
+                <a:lnTo>
+                  <a:pt x="3916831" y="0"/>
+                </a:lnTo>
+                <a:close/>
+              </a:path>
+            </a:pathLst>
+          </a:custGeom>
+          <a:solidFill>
+            <a:schemeClr val="bg1">
+              <a:lumMod val="85000"/>
+              <a:lumOff val="15000"/>
+            </a:schemeClr>
+          </a:solidFill>
+          <a:ln>
+            <a:noFill/>
+          </a:ln>
+        </p:spPr>
+        <p:style>
+          <a:lnRef idx="2">
+            <a:schemeClr val="accent1">
+              <a:shade val="50000"/>
+            </a:schemeClr>
+          </a:lnRef>
+          <a:fillRef idx="1">
+            <a:schemeClr val="accent1"/>
+          </a:fillRef>
+          <a:effectRef idx="0">
+            <a:schemeClr val="accent1"/>
+          </a:effectRef>
+          <a:fontRef idx="minor">
+            <a:schemeClr val="lt1"/>
+          </a:fontRef>
+        </p:style>
+        <p:txBody>
+          <a:bodyPr wrap="square" rtlCol="0" anchor="ctr">
+            <a:noAutofit/>
+          </a:bodyPr>
+          <a:lstStyle/>
+          <a:p>
+            <a:pPr algn="ctr"/>
+            <a:endParaRPr lang="en-US"/>
+          </a:p>
+        </p:txBody>
+      </p:sp>
+      <p:sp>
+        <p:nvSpPr>
+          <p:cNvPr id="2" name="Title 1">
+            <a:extLst>
+              <a:ext uri="{FF2B5EF4-FFF2-40B4-BE49-F238E27FC236}">
+                <a16:creationId xmlns:a16="http://schemas.microsoft.com/office/drawing/2014/main" id="{69CD18DE-F680-4635-872A-E27E162FF6AB}"/>
+              </a:ext>
+            </a:extLst>
+          </p:cNvPr>
+          <p:cNvSpPr>
+            <a:spLocks noGrp="1"/>
+          </p:cNvSpPr>
+          <p:nvPr>
+            <p:ph type="title"/>
+          </p:nvPr>
+        </p:nvSpPr>
+        <p:spPr>
+          <a:xfrm>
+            <a:off x="841248" y="704850"/>
+            <a:ext cx="3785616" cy="2978150"/>
+          </a:xfrm>
+        </p:spPr>
+        <p:txBody>
+          <a:bodyPr anchor="b">
+            <a:normAutofit/>
+          </a:bodyPr>
+          <a:lstStyle/>
+          <a:p>
+            <a:r>
+              <a:rPr lang="en-US" dirty="0"/>
+              <a:t>Problem arise while performing manual checks</a:t>
+            </a:r>
+            <a:endParaRPr lang="en-US"/>
+          </a:p>
+        </p:txBody>
+      </p:sp>
+      <p:sp>
+        <p:nvSpPr>
+          <p:cNvPr id="3" name="Content Placeholder 2">
+            <a:extLst>
+              <a:ext uri="{FF2B5EF4-FFF2-40B4-BE49-F238E27FC236}">
+                <a16:creationId xmlns:a16="http://schemas.microsoft.com/office/drawing/2014/main" id="{E52EE095-4EA0-47E3-8B9A-D49323BFA195}"/>
+              </a:ext>
+            </a:extLst>
+          </p:cNvPr>
+          <p:cNvSpPr>
+            <a:spLocks noGrp="1"/>
+          </p:cNvSpPr>
+          <p:nvPr>
+            <p:ph idx="1"/>
+          </p:nvPr>
+        </p:nvSpPr>
+        <p:spPr>
+          <a:xfrm>
+            <a:off x="6038850" y="704850"/>
+            <a:ext cx="5314950" cy="5251450"/>
+          </a:xfrm>
+        </p:spPr>
+        <p:txBody>
+          <a:bodyPr anchor="ctr">
+            <a:normAutofit/>
+          </a:bodyPr>
+          <a:lstStyle/>
+          <a:p>
+            <a:r>
+              <a:rPr lang="en-US" sz="2100">
+                <a:solidFill>
+                  <a:schemeClr val="bg1"/>
+                </a:solidFill>
+              </a:rPr>
+              <a:t>Reduce errors</a:t>
+            </a:r>
+          </a:p>
+          <a:p>
+            <a:endParaRPr lang="en-US" sz="2100">
+              <a:solidFill>
+                <a:schemeClr val="bg1"/>
+              </a:solidFill>
+            </a:endParaRPr>
+          </a:p>
+          <a:p>
+            <a:r>
+              <a:rPr lang="en-US" sz="2100">
+                <a:solidFill>
+                  <a:schemeClr val="bg1"/>
+                </a:solidFill>
+              </a:rPr>
+              <a:t>Less time consuming</a:t>
+            </a:r>
+          </a:p>
+          <a:p>
+            <a:endParaRPr lang="en-US" sz="2100">
+              <a:solidFill>
+                <a:schemeClr val="bg1"/>
+              </a:solidFill>
+            </a:endParaRPr>
+          </a:p>
+          <a:p>
+            <a:r>
+              <a:rPr lang="en-US" sz="2100">
+                <a:solidFill>
+                  <a:schemeClr val="bg1"/>
+                </a:solidFill>
+              </a:rPr>
+              <a:t>1 script works faster than 1 person</a:t>
+            </a:r>
+          </a:p>
+          <a:p>
+            <a:endParaRPr lang="en-US" sz="2100">
+              <a:solidFill>
+                <a:schemeClr val="bg1"/>
+              </a:solidFill>
+            </a:endParaRPr>
+          </a:p>
+          <a:p>
+            <a:r>
+              <a:rPr lang="en-US" sz="2100">
+                <a:solidFill>
+                  <a:schemeClr val="bg1"/>
+                </a:solidFill>
+              </a:rPr>
+              <a:t>Reduce Risk of human errors and more reliable</a:t>
+            </a:r>
+          </a:p>
+        </p:txBody>
+      </p:sp>
+    </p:spTree>
+    <p:extLst>
+      <p:ext uri="{BB962C8B-B14F-4D97-AF65-F5344CB8AC3E}">
+        <p14:creationId xmlns:p14="http://schemas.microsoft.com/office/powerpoint/2010/main" val="80254357"/>
+      </p:ext>
+    </p:extLst>
+  </p:cSld>
+  <p:clrMapOvr>
+    <a:overrideClrMapping bg1="dk1" tx1="lt1" bg2="dk2" tx2="lt2" accent1="accent1" accent2="accent2" accent3="accent3" accent4="accent4" accent5="accent5" accent6="accent6" hlink="hlink" folHlink="folHlink"/>
+  </p:clrMapOvr>
+</p:sld>
+</file>
+
+<file path=ppt/slides/slide8.xml><?xml version="1.0" encoding="utf-8"?>
+<p:sld xmlns:a="http://schemas.openxmlformats.org/drawingml/2006/main" xmlns:r="http://schemas.openxmlformats.org/officeDocument/2006/relationships" xmlns:p="http://schemas.openxmlformats.org/presentationml/2006/main">
+  <p:cSld>
+    <p:bg>
+      <p:bgPr>
+        <a:solidFill>
+          <a:schemeClr val="bg1"/>
+        </a:solidFill>
+        <a:effectLst/>
+      </p:bgPr>
+    </p:bg>
+    <p:spTree>
+      <p:nvGrpSpPr>
+        <p:cNvPr id="1" name=""/>
+        <p:cNvGrpSpPr/>
+        <p:nvPr/>
+      </p:nvGrpSpPr>
+      <p:grpSpPr>
+        <a:xfrm>
+          <a:off x="0" y="0"/>
+          <a:ext cx="0" cy="0"/>
+          <a:chOff x="0" y="0"/>
+          <a:chExt cx="0" cy="0"/>
+        </a:xfrm>
+      </p:grpSpPr>
+      <p:sp>
+        <p:nvSpPr>
+          <p:cNvPr id="60" name="Rectangle 55">
+            <a:extLst>
+              <a:ext uri="{FF2B5EF4-FFF2-40B4-BE49-F238E27FC236}">
+                <a16:creationId xmlns:a16="http://schemas.microsoft.com/office/drawing/2014/main" id="{7CA0DAA6-33B8-4A25-810D-2F4D816FB40E}"/>
+              </a:ext>
+              <a:ext uri="{C183D7F6-B498-43B3-948B-1728B52AA6E4}">
+                <adec:decorative xmlns:adec="http://schemas.microsoft.com/office/drawing/2017/decorative" val="1"/>
+              </a:ext>
+            </a:extLst>
+          </p:cNvPr>
+          <p:cNvSpPr>
+            <a:spLocks noGrp="1" noRot="1" noChangeAspect="1" noMove="1" noResize="1" noEditPoints="1" noAdjustHandles="1" noChangeArrowheads="1" noChangeShapeType="1" noTextEdit="1"/>
+          </p:cNvSpPr>
+          <p:nvPr>
+            <p:extLst>
+              <p:ext uri="{386F3935-93C4-4BCD-93E2-E3B085C9AB24}">
+                <p16:designElem xmlns:p16="http://schemas.microsoft.com/office/powerpoint/2015/main" val="1"/>
+              </p:ext>
+            </p:extLst>
+          </p:nvPr>
+        </p:nvSpPr>
+        <p:spPr bwMode="white">
+          <a:xfrm>
+            <a:off x="0" y="0"/>
+            <a:ext cx="4972594" cy="6858000"/>
+          </a:xfrm>
+          <a:prstGeom prst="rect">
+            <a:avLst/>
+          </a:prstGeom>
+          <a:solidFill>
+            <a:schemeClr val="tx1">
+              <a:lumMod val="85000"/>
+              <a:lumOff val="15000"/>
+            </a:schemeClr>
+          </a:solidFill>
+          <a:ln>
+            <a:noFill/>
+          </a:ln>
+        </p:spPr>
+        <p:style>
+          <a:lnRef idx="2">
+            <a:schemeClr val="accent1">
+              <a:shade val="50000"/>
+            </a:schemeClr>
+          </a:lnRef>
+          <a:fillRef idx="1">
+            <a:schemeClr val="accent1"/>
+          </a:fillRef>
+          <a:effectRef idx="0">
+            <a:schemeClr val="accent1"/>
+          </a:effectRef>
+          <a:fontRef idx="minor">
+            <a:schemeClr val="lt1"/>
+          </a:fontRef>
+        </p:style>
+        <p:txBody>
+          <a:bodyPr rtlCol="0" anchor="ctr"/>
+          <a:lstStyle/>
+          <a:p>
+            <a:pPr algn="ctr"/>
+            <a:endParaRPr lang="en-US"/>
+          </a:p>
+        </p:txBody>
+      </p:sp>
+      <p:sp>
+        <p:nvSpPr>
+          <p:cNvPr id="2" name="Title 1">
+            <a:extLst>
+              <a:ext uri="{FF2B5EF4-FFF2-40B4-BE49-F238E27FC236}">
+                <a16:creationId xmlns:a16="http://schemas.microsoft.com/office/drawing/2014/main" id="{BD197AB0-547F-40DD-A165-E78F774F989A}"/>
+              </a:ext>
+            </a:extLst>
+          </p:cNvPr>
+          <p:cNvSpPr>
+            <a:spLocks noGrp="1"/>
+          </p:cNvSpPr>
+          <p:nvPr>
+            <p:ph type="title"/>
+          </p:nvPr>
+        </p:nvSpPr>
+        <p:spPr>
+          <a:xfrm>
+            <a:off x="651307" y="640081"/>
+            <a:ext cx="3377183" cy="3681976"/>
+          </a:xfrm>
+          <a:noFill/>
+        </p:spPr>
+        <p:txBody>
+          <a:bodyPr vert="horz" lIns="91440" tIns="45720" rIns="91440" bIns="45720" rtlCol="0" anchor="b">
+            <a:normAutofit/>
+          </a:bodyPr>
+          <a:lstStyle/>
+          <a:p>
+            <a:r>
+              <a:rPr lang="en-US" dirty="0">
+                <a:solidFill>
+                  <a:schemeClr val="bg1"/>
+                </a:solidFill>
+              </a:rPr>
+              <a:t>Before</a:t>
+            </a:r>
+          </a:p>
+        </p:txBody>
+      </p:sp>
+      <p:pic>
+        <p:nvPicPr>
+          <p:cNvPr id="4" name="Content Placeholder 3">
+            <a:extLst>
+              <a:ext uri="{FF2B5EF4-FFF2-40B4-BE49-F238E27FC236}">
+                <a16:creationId xmlns:a16="http://schemas.microsoft.com/office/drawing/2014/main" id="{0056CD83-C33F-48C0-B2B3-0E28EB299741}"/>
+              </a:ext>
+            </a:extLst>
+          </p:cNvPr>
+          <p:cNvPicPr>
+            <a:picLocks noGrp="1" noChangeAspect="1"/>
+          </p:cNvPicPr>
+          <p:nvPr>
+            <p:ph idx="1"/>
+          </p:nvPr>
+        </p:nvPicPr>
+        <p:blipFill rotWithShape="1">
+          <a:blip r:embed="rId2"/>
+          <a:srcRect r="18939" b="-2"/>
+          <a:stretch/>
+        </p:blipFill>
+        <p:spPr>
+          <a:xfrm>
+            <a:off x="4654297" y="10"/>
+            <a:ext cx="7537704" cy="6857990"/>
+          </a:xfrm>
+          <a:prstGeom prst="rect">
+            <a:avLst/>
+          </a:prstGeom>
+        </p:spPr>
+      </p:pic>
+    </p:spTree>
+    <p:extLst>
+      <p:ext uri="{BB962C8B-B14F-4D97-AF65-F5344CB8AC3E}">
+        <p14:creationId xmlns:p14="http://schemas.microsoft.com/office/powerpoint/2010/main" val="1354894565"/>
+      </p:ext>
+    </p:extLst>
+  </p:cSld>
+  <p:clrMapOvr>
+    <a:masterClrMapping/>
+  </p:clrMapOvr>
+</p:sld>
+</file>
+
+<file path=ppt/slides/slide9.xml><?xml version="1.0" encoding="utf-8"?>
+<p:sld xmlns:a="http://schemas.openxmlformats.org/drawingml/2006/main" xmlns:r="http://schemas.openxmlformats.org/officeDocument/2006/relationships" xmlns:p="http://schemas.openxmlformats.org/presentationml/2006/main">
+  <p:cSld>
+    <p:bg>
+      <p:bgPr>
+        <a:solidFill>
+          <a:schemeClr val="bg1"/>
+        </a:solidFill>
+        <a:effectLst/>
+      </p:bgPr>
+    </p:bg>
+    <p:spTree>
+      <p:nvGrpSpPr>
+        <p:cNvPr id="1" name=""/>
+        <p:cNvGrpSpPr/>
+        <p:nvPr/>
+      </p:nvGrpSpPr>
+      <p:grpSpPr>
+        <a:xfrm>
+          <a:off x="0" y="0"/>
+          <a:ext cx="0" cy="0"/>
+          <a:chOff x="0" y="0"/>
+          <a:chExt cx="0" cy="0"/>
+        </a:xfrm>
+      </p:grpSpPr>
+      <p:sp>
+        <p:nvSpPr>
+          <p:cNvPr id="60" name="Rectangle 55">
+            <a:extLst>
+              <a:ext uri="{FF2B5EF4-FFF2-40B4-BE49-F238E27FC236}">
+                <a16:creationId xmlns:a16="http://schemas.microsoft.com/office/drawing/2014/main" id="{7CA0DAA6-33B8-4A25-810D-2F4D816FB40E}"/>
+              </a:ext>
+              <a:ext uri="{C183D7F6-B498-43B3-948B-1728B52AA6E4}">
+                <adec:decorative xmlns:adec="http://schemas.microsoft.com/office/drawing/2017/decorative" val="1"/>
+              </a:ext>
+            </a:extLst>
+          </p:cNvPr>
+          <p:cNvSpPr>
+            <a:spLocks noGrp="1" noRot="1" noChangeAspect="1" noMove="1" noResize="1" noEditPoints="1" noAdjustHandles="1" noChangeArrowheads="1" noChangeShapeType="1" noTextEdit="1"/>
+          </p:cNvSpPr>
+          <p:nvPr>
+            <p:extLst>
+              <p:ext uri="{386F3935-93C4-4BCD-93E2-E3B085C9AB24}">
+                <p16:designElem xmlns:p16="http://schemas.microsoft.com/office/powerpoint/2015/main" val="1"/>
+              </p:ext>
+            </p:extLst>
+          </p:nvPr>
+        </p:nvSpPr>
+        <p:spPr bwMode="white">
+          <a:xfrm>
+            <a:off x="0" y="0"/>
+            <a:ext cx="4972594" cy="6858000"/>
+          </a:xfrm>
+          <a:prstGeom prst="rect">
+            <a:avLst/>
+          </a:prstGeom>
+          <a:solidFill>
+            <a:schemeClr val="tx1">
+              <a:lumMod val="85000"/>
+              <a:lumOff val="15000"/>
+            </a:schemeClr>
+          </a:solidFill>
+          <a:ln>
+            <a:noFill/>
+          </a:ln>
+        </p:spPr>
+        <p:style>
+          <a:lnRef idx="2">
+            <a:schemeClr val="accent1">
+              <a:shade val="50000"/>
+            </a:schemeClr>
+          </a:lnRef>
+          <a:fillRef idx="1">
+            <a:schemeClr val="accent1"/>
+          </a:fillRef>
+          <a:effectRef idx="0">
+            <a:schemeClr val="accent1"/>
+          </a:effectRef>
+          <a:fontRef idx="minor">
+            <a:schemeClr val="lt1"/>
+          </a:fontRef>
+        </p:style>
+        <p:txBody>
+          <a:bodyPr rtlCol="0" anchor="ctr"/>
+          <a:lstStyle/>
+          <a:p>
+            <a:pPr algn="ctr"/>
+            <a:endParaRPr lang="en-US"/>
+          </a:p>
+        </p:txBody>
+      </p:sp>
+      <p:sp>
+        <p:nvSpPr>
+          <p:cNvPr id="2" name="Title 1">
+            <a:extLst>
+              <a:ext uri="{FF2B5EF4-FFF2-40B4-BE49-F238E27FC236}">
+                <a16:creationId xmlns:a16="http://schemas.microsoft.com/office/drawing/2014/main" id="{BD197AB0-547F-40DD-A165-E78F774F989A}"/>
+              </a:ext>
+            </a:extLst>
+          </p:cNvPr>
+          <p:cNvSpPr>
+            <a:spLocks noGrp="1"/>
+          </p:cNvSpPr>
+          <p:nvPr>
+            <p:ph type="title"/>
+          </p:nvPr>
+        </p:nvSpPr>
+        <p:spPr>
+          <a:xfrm>
+            <a:off x="651307" y="640081"/>
+            <a:ext cx="3377183" cy="3681976"/>
+          </a:xfrm>
+          <a:noFill/>
+        </p:spPr>
+        <p:txBody>
+          <a:bodyPr vert="horz" lIns="91440" tIns="45720" rIns="91440" bIns="45720" rtlCol="0" anchor="b">
+            <a:normAutofit/>
+          </a:bodyPr>
+          <a:lstStyle/>
+          <a:p>
+            <a:r>
+              <a:rPr lang="en-US" dirty="0">
+                <a:solidFill>
+                  <a:schemeClr val="bg1"/>
+                </a:solidFill>
+              </a:rPr>
+              <a:t>After</a:t>
+            </a:r>
+          </a:p>
+        </p:txBody>
+      </p:sp>
+      <p:pic>
+        <p:nvPicPr>
+          <p:cNvPr id="7" name="Content Placeholder 6">
+            <a:extLst>
+              <a:ext uri="{FF2B5EF4-FFF2-40B4-BE49-F238E27FC236}">
+                <a16:creationId xmlns:a16="http://schemas.microsoft.com/office/drawing/2014/main" id="{4A54E520-F841-4559-AF51-CE187EB6AC37}"/>
+              </a:ext>
+            </a:extLst>
+          </p:cNvPr>
+          <p:cNvPicPr>
+            <a:picLocks noGrp="1" noChangeAspect="1"/>
+          </p:cNvPicPr>
+          <p:nvPr>
+            <p:ph idx="1"/>
+          </p:nvPr>
+        </p:nvPicPr>
+        <p:blipFill>
+          <a:blip r:embed="rId2"/>
+          <a:stretch>
+            <a:fillRect/>
+          </a:stretch>
+        </p:blipFill>
+        <p:spPr>
+          <a:xfrm>
+            <a:off x="5918672" y="0"/>
+            <a:ext cx="5259343" cy="6858000"/>
+          </a:xfrm>
+          <a:prstGeom prst="rect">
+            <a:avLst/>
+          </a:prstGeom>
+        </p:spPr>
+      </p:pic>
+    </p:spTree>
+    <p:extLst>
+      <p:ext uri="{BB962C8B-B14F-4D97-AF65-F5344CB8AC3E}">
+        <p14:creationId xmlns:p14="http://schemas.microsoft.com/office/powerpoint/2010/main" val="3941562217"/>
       </p:ext>
     </p:extLst>
   </p:cSld>
